--- a/期末專案_第三組_小組報告/期末專案_第三組_小組報告.pptx
+++ b/期末專案_第三組_小組報告/期末專案_第三組_小組報告.pptx
@@ -332,7 +332,7 @@
           <a:p>
             <a:fld id="{C20804F4-88D0-48BF-85B5-35BA29F70154}" type="datetimeFigureOut">
               <a:rPr lang="zh-TW" altLang="en-US" smtClean="0"/>
-              <a:t>2021/6/16</a:t>
+              <a:t>2021/6/17</a:t>
             </a:fld>
             <a:endParaRPr lang="zh-TW" altLang="en-US"/>
           </a:p>
@@ -718,7 +718,7 @@
           <a:p>
             <a:fld id="{C20804F4-88D0-48BF-85B5-35BA29F70154}" type="datetimeFigureOut">
               <a:rPr lang="zh-TW" altLang="en-US" smtClean="0"/>
-              <a:t>2021/6/16</a:t>
+              <a:t>2021/6/17</a:t>
             </a:fld>
             <a:endParaRPr lang="zh-TW" altLang="en-US"/>
           </a:p>
@@ -896,7 +896,7 @@
           <a:p>
             <a:fld id="{C20804F4-88D0-48BF-85B5-35BA29F70154}" type="datetimeFigureOut">
               <a:rPr lang="zh-TW" altLang="en-US" smtClean="0"/>
-              <a:t>2021/6/16</a:t>
+              <a:t>2021/6/17</a:t>
             </a:fld>
             <a:endParaRPr lang="zh-TW" altLang="en-US"/>
           </a:p>
@@ -1109,7 +1109,7 @@
           <a:p>
             <a:fld id="{C20804F4-88D0-48BF-85B5-35BA29F70154}" type="datetimeFigureOut">
               <a:rPr lang="zh-TW" altLang="en-US" smtClean="0"/>
-              <a:t>2021/6/16</a:t>
+              <a:t>2021/6/17</a:t>
             </a:fld>
             <a:endParaRPr lang="zh-TW" altLang="en-US"/>
           </a:p>
@@ -1437,7 +1437,7 @@
           <a:p>
             <a:fld id="{C20804F4-88D0-48BF-85B5-35BA29F70154}" type="datetimeFigureOut">
               <a:rPr lang="zh-TW" altLang="en-US" smtClean="0"/>
-              <a:t>2021/6/16</a:t>
+              <a:t>2021/6/17</a:t>
             </a:fld>
             <a:endParaRPr lang="zh-TW" altLang="en-US"/>
           </a:p>
@@ -1742,7 +1742,7 @@
           <a:p>
             <a:fld id="{C20804F4-88D0-48BF-85B5-35BA29F70154}" type="datetimeFigureOut">
               <a:rPr lang="zh-TW" altLang="en-US" smtClean="0"/>
-              <a:t>2021/6/16</a:t>
+              <a:t>2021/6/17</a:t>
             </a:fld>
             <a:endParaRPr lang="zh-TW" altLang="en-US"/>
           </a:p>
@@ -2189,7 +2189,7 @@
           <a:p>
             <a:fld id="{C20804F4-88D0-48BF-85B5-35BA29F70154}" type="datetimeFigureOut">
               <a:rPr lang="zh-TW" altLang="en-US" smtClean="0"/>
-              <a:t>2021/6/16</a:t>
+              <a:t>2021/6/17</a:t>
             </a:fld>
             <a:endParaRPr lang="zh-TW" altLang="en-US"/>
           </a:p>
@@ -2306,7 +2306,7 @@
           <a:p>
             <a:fld id="{C20804F4-88D0-48BF-85B5-35BA29F70154}" type="datetimeFigureOut">
               <a:rPr lang="zh-TW" altLang="en-US" smtClean="0"/>
-              <a:t>2021/6/16</a:t>
+              <a:t>2021/6/17</a:t>
             </a:fld>
             <a:endParaRPr lang="zh-TW" altLang="en-US"/>
           </a:p>
@@ -2401,7 +2401,7 @@
           <a:p>
             <a:fld id="{C20804F4-88D0-48BF-85B5-35BA29F70154}" type="datetimeFigureOut">
               <a:rPr lang="zh-TW" altLang="en-US" smtClean="0"/>
-              <a:t>2021/6/16</a:t>
+              <a:t>2021/6/17</a:t>
             </a:fld>
             <a:endParaRPr lang="zh-TW" altLang="en-US"/>
           </a:p>
@@ -2676,7 +2676,7 @@
           <a:p>
             <a:fld id="{C20804F4-88D0-48BF-85B5-35BA29F70154}" type="datetimeFigureOut">
               <a:rPr lang="zh-TW" altLang="en-US" smtClean="0"/>
-              <a:t>2021/6/16</a:t>
+              <a:t>2021/6/17</a:t>
             </a:fld>
             <a:endParaRPr lang="zh-TW" altLang="en-US"/>
           </a:p>
@@ -2931,7 +2931,7 @@
           <a:p>
             <a:fld id="{C20804F4-88D0-48BF-85B5-35BA29F70154}" type="datetimeFigureOut">
               <a:rPr lang="zh-TW" altLang="en-US" smtClean="0"/>
-              <a:t>2021/6/16</a:t>
+              <a:t>2021/6/17</a:t>
             </a:fld>
             <a:endParaRPr lang="zh-TW" altLang="en-US"/>
           </a:p>
@@ -3144,7 +3144,7 @@
           <a:p>
             <a:fld id="{C20804F4-88D0-48BF-85B5-35BA29F70154}" type="datetimeFigureOut">
               <a:rPr lang="zh-TW" altLang="en-US" smtClean="0"/>
-              <a:t>2021/6/16</a:t>
+              <a:t>2021/6/17</a:t>
             </a:fld>
             <a:endParaRPr lang="zh-TW" altLang="en-US"/>
           </a:p>
@@ -3605,11 +3605,11 @@
               <a:t>第</a:t>
             </a:r>
             <a:r>
-              <a:rPr lang="en-US" altLang="zh-TW" dirty="0"/>
-              <a:t>00</a:t>
-            </a:r>
-            <a:r>
-              <a:rPr lang="zh-TW" altLang="en-US" dirty="0"/>
+              <a:rPr lang="en-US" altLang="zh-TW" dirty="0" smtClean="0"/>
+              <a:t>03</a:t>
+            </a:r>
+            <a:r>
+              <a:rPr lang="zh-TW" altLang="en-US" dirty="0" smtClean="0"/>
               <a:t>組</a:t>
             </a:r>
             <a:endParaRPr lang="en-US" altLang="zh-TW" dirty="0"/>
@@ -3628,12 +3628,12 @@
               <a:t>：</a:t>
             </a:r>
             <a:r>
-              <a:rPr lang="en-US" altLang="zh-TW" dirty="0"/>
-              <a:t>109598032 </a:t>
+              <a:rPr lang="en-US" altLang="zh-TW" dirty="0" smtClean="0"/>
+              <a:t>108820001 </a:t>
             </a:r>
             <a:r>
               <a:rPr lang="zh-TW" altLang="en-US" dirty="0"/>
-              <a:t>鄭丞甫</a:t>
+              <a:t>羅羽軒</a:t>
             </a:r>
             <a:endParaRPr lang="en-US" altLang="zh-TW" dirty="0"/>
           </a:p>
@@ -3651,13 +3651,14 @@
               <a:t>：</a:t>
             </a:r>
             <a:r>
-              <a:rPr lang="en-US" altLang="zh-TW" dirty="0"/>
-              <a:t>109598032 </a:t>
-            </a:r>
-            <a:r>
-              <a:rPr lang="zh-TW" altLang="en-US" dirty="0"/>
-              <a:t>鄭丞甫</a:t>
-            </a:r>
+              <a:rPr lang="en-US" altLang="zh-TW" dirty="0" smtClean="0"/>
+              <a:t>108820015 </a:t>
+            </a:r>
+            <a:r>
+              <a:rPr lang="zh-TW" altLang="en-US" dirty="0" smtClean="0"/>
+              <a:t>周雨柔</a:t>
+            </a:r>
+            <a:endParaRPr lang="zh-TW" altLang="en-US" dirty="0"/>
           </a:p>
         </p:txBody>
       </p:sp>
@@ -3725,95 +3726,195 @@
         </p:nvSpPr>
         <p:spPr/>
         <p:txBody>
-          <a:bodyPr/>
+          <a:bodyPr>
+            <a:normAutofit/>
+          </a:bodyPr>
           <a:lstStyle/>
           <a:p>
             <a:r>
-              <a:rPr lang="en-US" altLang="zh-TW" dirty="0"/>
-              <a:t>(</a:t>
-            </a:r>
-            <a:r>
-              <a:rPr lang="zh-TW" altLang="en-US" dirty="0"/>
-              <a:t>選擇的議題</a:t>
-            </a:r>
-            <a:r>
-              <a:rPr lang="en-US" altLang="zh-TW" dirty="0"/>
-              <a:t>(</a:t>
-            </a:r>
-            <a:r>
-              <a:rPr lang="zh-TW" altLang="en-US" dirty="0"/>
-              <a:t>物件辨識</a:t>
-            </a:r>
-            <a:r>
-              <a:rPr lang="en-US" altLang="zh-TW" dirty="0"/>
-              <a:t>or</a:t>
-            </a:r>
-            <a:r>
-              <a:rPr lang="zh-TW" altLang="en-US" dirty="0"/>
-              <a:t>軌跡預測，若為物件辨識，需說明所選擇的訓練集數量</a:t>
-            </a:r>
-            <a:r>
-              <a:rPr lang="en-US" altLang="zh-TW" dirty="0"/>
-              <a:t>))</a:t>
-            </a:r>
-          </a:p>
-          <a:p>
-            <a:r>
-              <a:rPr lang="en-US" altLang="zh-TW" dirty="0"/>
-              <a:t>(</a:t>
-            </a:r>
-            <a:r>
-              <a:rPr lang="zh-TW" altLang="en-US" dirty="0"/>
-              <a:t>說明使用到的模型及用途</a:t>
-            </a:r>
-            <a:r>
-              <a:rPr lang="en-US" altLang="zh-TW" dirty="0"/>
+              <a:rPr lang="zh-TW" altLang="en-US" sz="2400" dirty="0" smtClean="0"/>
+              <a:t>軌跡預測 </a:t>
+            </a:r>
+            <a:r>
+              <a:rPr lang="en-US" altLang="zh-TW" sz="2400" dirty="0" smtClean="0"/>
+              <a:t>:</a:t>
+            </a:r>
+          </a:p>
+          <a:p>
+            <a:pPr marL="0" indent="0">
+              <a:buNone/>
+            </a:pPr>
+            <a:r>
+              <a:rPr lang="en-US" altLang="zh-TW" sz="2000" dirty="0" smtClean="0"/>
+              <a:t>	</a:t>
+            </a:r>
+            <a:r>
+              <a:rPr lang="zh-TW" altLang="en-US" sz="2000" dirty="0" smtClean="0"/>
+              <a:t>使用</a:t>
+            </a:r>
+            <a:r>
+              <a:rPr lang="en-US" altLang="zh-TW" sz="2000" dirty="0" smtClean="0"/>
+              <a:t>VIRAT_S_000002</a:t>
+            </a:r>
+            <a:r>
+              <a:rPr lang="zh-TW" altLang="en-US" sz="2000" dirty="0" smtClean="0"/>
+              <a:t>、</a:t>
+            </a:r>
+            <a:r>
+              <a:rPr lang="en-US" altLang="zh-TW" sz="2000" dirty="0" smtClean="0"/>
+              <a:t>VIRAT_S_000002.viratdata.objects.txt</a:t>
+            </a:r>
+            <a:r>
+              <a:rPr lang="zh-TW" altLang="en-US" sz="2000" dirty="0" smtClean="0"/>
+              <a:t>為資料集</a:t>
+            </a:r>
+            <a:endParaRPr lang="en-US" altLang="zh-TW" sz="2000" dirty="0" smtClean="0"/>
+          </a:p>
+          <a:p>
+            <a:r>
+              <a:rPr lang="zh-TW" altLang="en-US" sz="2400" dirty="0"/>
+              <a:t>使用</a:t>
+            </a:r>
+            <a:r>
+              <a:rPr lang="en-US" altLang="zh-TW" sz="2400" dirty="0"/>
+              <a:t>Social GAN </a:t>
+            </a:r>
+            <a:r>
+              <a:rPr lang="zh-TW" altLang="en-US" sz="2400" dirty="0"/>
+              <a:t>模型做</a:t>
+            </a:r>
+            <a:r>
+              <a:rPr lang="zh-TW" altLang="en-US" sz="2400" dirty="0" smtClean="0"/>
+              <a:t>訓練</a:t>
+            </a:r>
+            <a:r>
+              <a:rPr lang="en-US" altLang="zh-TW" sz="2400" dirty="0" smtClean="0"/>
+              <a:t>:</a:t>
+            </a:r>
+            <a:endParaRPr lang="en-US" altLang="zh-TW" sz="2400" dirty="0"/>
+          </a:p>
+          <a:p>
+            <a:pPr marL="0" indent="0">
+              <a:buNone/>
+            </a:pPr>
+            <a:r>
+              <a:rPr lang="zh-TW" altLang="en-US" sz="2000" dirty="0" smtClean="0"/>
+              <a:t> </a:t>
+            </a:r>
+            <a:r>
+              <a:rPr lang="en-US" altLang="zh-TW" sz="2000" dirty="0" smtClean="0"/>
+              <a:t>	</a:t>
+            </a:r>
+            <a:r>
+              <a:rPr lang="zh-TW" altLang="en-US" sz="2000" dirty="0" smtClean="0"/>
+              <a:t>基準參數</a:t>
+            </a:r>
+            <a:r>
+              <a:rPr lang="en-US" altLang="zh-TW" sz="2000" dirty="0" smtClean="0"/>
+              <a:t>:</a:t>
+            </a:r>
+            <a:r>
+              <a:rPr lang="zh-TW" altLang="en-US" sz="2000" dirty="0" smtClean="0"/>
+              <a:t> </a:t>
+            </a:r>
+            <a:r>
+              <a:rPr lang="en-US" altLang="zh-TW" sz="2000" dirty="0" smtClean="0"/>
+              <a:t>--</a:t>
+            </a:r>
+            <a:r>
+              <a:rPr lang="en-US" altLang="zh-TW" sz="2000" dirty="0" err="1"/>
+              <a:t>obs_len</a:t>
+            </a:r>
+            <a:r>
+              <a:rPr lang="en-US" altLang="zh-TW" sz="2000" dirty="0"/>
+              <a:t> 10 --</a:t>
+            </a:r>
+            <a:r>
+              <a:rPr lang="en-US" altLang="zh-TW" sz="2000" dirty="0" err="1"/>
+              <a:t>pred_len</a:t>
+            </a:r>
+            <a:r>
+              <a:rPr lang="en-US" altLang="zh-TW" sz="2000" dirty="0"/>
+              <a:t> </a:t>
+            </a:r>
+            <a:r>
+              <a:rPr lang="en-US" altLang="zh-TW" sz="2000" dirty="0" smtClean="0"/>
+              <a:t>10</a:t>
+            </a:r>
+            <a:r>
+              <a:rPr lang="zh-TW" altLang="en-US" sz="2000" dirty="0" smtClean="0"/>
+              <a:t> </a:t>
+            </a:r>
+            <a:r>
+              <a:rPr lang="en-US" altLang="zh-TW" sz="2000" dirty="0"/>
+              <a:t>--</a:t>
+            </a:r>
+            <a:r>
+              <a:rPr lang="en-US" altLang="zh-TW" sz="2000" dirty="0" err="1"/>
+              <a:t>num_epochs</a:t>
+            </a:r>
+            <a:r>
+              <a:rPr lang="en-US" altLang="zh-TW" sz="2000" dirty="0"/>
+              <a:t> </a:t>
+            </a:r>
+            <a:r>
+              <a:rPr lang="en-US" altLang="zh-TW" sz="2000" dirty="0" smtClean="0"/>
+              <a:t>50</a:t>
+            </a:r>
+            <a:endParaRPr lang="en-US" altLang="zh-TW" dirty="0"/>
+          </a:p>
+          <a:p>
+            <a:r>
+              <a:rPr lang="zh-TW" altLang="en-US" sz="2400" dirty="0" smtClean="0"/>
+              <a:t>更改</a:t>
+            </a:r>
+            <a:r>
+              <a:rPr lang="zh-TW" altLang="en-US" sz="2400" dirty="0"/>
+              <a:t>的訓練參數</a:t>
+            </a:r>
+            <a:r>
+              <a:rPr lang="en-US" altLang="zh-TW" sz="2400" dirty="0"/>
+              <a:t>(epoch</a:t>
+            </a:r>
+            <a:r>
+              <a:rPr lang="zh-TW" altLang="en-US" sz="2400" dirty="0"/>
+              <a:t>、</a:t>
+            </a:r>
+            <a:r>
+              <a:rPr lang="en-US" altLang="zh-TW" sz="2400" dirty="0"/>
+              <a:t>learning rate</a:t>
+            </a:r>
+            <a:r>
+              <a:rPr lang="zh-TW" altLang="en-US" sz="2400" dirty="0"/>
+              <a:t>等等</a:t>
+            </a:r>
+            <a:r>
+              <a:rPr lang="en-US" altLang="zh-TW" sz="2400" dirty="0"/>
               <a:t>)</a:t>
             </a:r>
-          </a:p>
-          <a:p>
-            <a:r>
-              <a:rPr lang="en-US" altLang="zh-TW" dirty="0"/>
-              <a:t>(</a:t>
-            </a:r>
-            <a:r>
-              <a:rPr lang="zh-TW" altLang="en-US" dirty="0"/>
-              <a:t>說明更改的訓練參數</a:t>
-            </a:r>
-            <a:r>
-              <a:rPr lang="en-US" altLang="zh-TW" dirty="0"/>
-              <a:t>(epoch</a:t>
-            </a:r>
-            <a:r>
-              <a:rPr lang="zh-TW" altLang="en-US" dirty="0"/>
-              <a:t>、</a:t>
-            </a:r>
-            <a:r>
-              <a:rPr lang="en-US" altLang="zh-TW" dirty="0"/>
-              <a:t>learning rate</a:t>
-            </a:r>
-            <a:r>
-              <a:rPr lang="zh-TW" altLang="en-US" dirty="0"/>
-              <a:t>等等</a:t>
-            </a:r>
-            <a:r>
-              <a:rPr lang="en-US" altLang="zh-TW" dirty="0"/>
-              <a:t>)</a:t>
-            </a:r>
-            <a:r>
-              <a:rPr lang="zh-TW" altLang="en-US" dirty="0"/>
-              <a:t>、為何如此設定</a:t>
-            </a:r>
-            <a:r>
-              <a:rPr lang="en-US" altLang="zh-TW" dirty="0"/>
-              <a:t>)</a:t>
-            </a:r>
-          </a:p>
-          <a:p>
-            <a:endParaRPr lang="en-US" altLang="zh-TW" dirty="0"/>
-          </a:p>
-          <a:p>
-            <a:endParaRPr lang="zh-TW" altLang="en-US" dirty="0"/>
+            <a:r>
+              <a:rPr lang="zh-TW" altLang="en-US" sz="2400" dirty="0"/>
+              <a:t>、為何如此</a:t>
+            </a:r>
+            <a:r>
+              <a:rPr lang="zh-TW" altLang="en-US" sz="2400" dirty="0" smtClean="0"/>
+              <a:t>設定</a:t>
+            </a:r>
+            <a:r>
+              <a:rPr lang="en-US" altLang="zh-TW" sz="2400" dirty="0" smtClean="0"/>
+              <a:t>:</a:t>
+            </a:r>
+            <a:endParaRPr lang="en-US" altLang="zh-TW" sz="2400" dirty="0"/>
+          </a:p>
+          <a:p>
+            <a:pPr marL="0" indent="0">
+              <a:buNone/>
+            </a:pPr>
+            <a:r>
+              <a:rPr lang="en-US" altLang="zh-TW" sz="2000" dirty="0" smtClean="0"/>
+              <a:t>	</a:t>
+            </a:r>
+            <a:endParaRPr lang="en-US" altLang="zh-TW" sz="2000" dirty="0"/>
           </a:p>
         </p:txBody>
       </p:sp>
@@ -3969,52 +4070,185 @@
             <p:ph idx="1"/>
           </p:nvPr>
         </p:nvSpPr>
-        <p:spPr/>
+        <p:spPr>
+          <a:xfrm>
+            <a:off x="838200" y="1690688"/>
+            <a:ext cx="10515600" cy="4486275"/>
+          </a:xfrm>
+        </p:spPr>
         <p:txBody>
           <a:bodyPr/>
           <a:lstStyle/>
           <a:p>
             <a:r>
+              <a:rPr lang="zh-TW" altLang="en-US" sz="2400" dirty="0" smtClean="0"/>
+              <a:t>遇到</a:t>
+            </a:r>
+            <a:r>
+              <a:rPr lang="zh-TW" altLang="en-US" sz="2400" dirty="0"/>
+              <a:t>的</a:t>
+            </a:r>
+            <a:r>
+              <a:rPr lang="zh-TW" altLang="en-US" sz="2400" dirty="0" smtClean="0"/>
+              <a:t>困難</a:t>
+            </a:r>
+            <a:r>
+              <a:rPr lang="en-US" altLang="zh-TW" sz="2400" dirty="0" smtClean="0"/>
+              <a:t>:</a:t>
+            </a:r>
+            <a:r>
+              <a:rPr lang="zh-TW" altLang="en-US" sz="2400" dirty="0" smtClean="0"/>
+              <a:t> </a:t>
+            </a:r>
+            <a:endParaRPr lang="en-US" altLang="zh-TW" sz="2400" dirty="0" smtClean="0"/>
+          </a:p>
+          <a:p>
+            <a:pPr marL="0" indent="0">
+              <a:buNone/>
+            </a:pPr>
+            <a:r>
               <a:rPr lang="en-US" altLang="zh-TW" dirty="0"/>
+              <a:t>	</a:t>
+            </a:r>
+            <a:r>
+              <a:rPr lang="zh-TW" altLang="en-US" sz="2000" dirty="0" smtClean="0"/>
+              <a:t>剛開始嘗試使用助教上一次專案給出的</a:t>
+            </a:r>
+            <a:r>
+              <a:rPr lang="en-US" altLang="zh-TW" sz="2000" dirty="0" smtClean="0"/>
+              <a:t>social GAN</a:t>
+            </a:r>
+            <a:r>
+              <a:rPr lang="zh-TW" altLang="en-US" sz="2000" dirty="0" smtClean="0"/>
+              <a:t>資料集作為樣本更改，研究了裡面資料的格式後發現與我們上網下載的標籤格式不同，將</a:t>
+            </a:r>
+            <a:r>
+              <a:rPr lang="en-US" altLang="zh-TW" sz="2000" dirty="0" smtClean="0"/>
+              <a:t>dataset</a:t>
+            </a:r>
+            <a:r>
+              <a:rPr lang="zh-TW" altLang="en-US" sz="2000" dirty="0" smtClean="0"/>
+              <a:t>換為我們的資料集後在跑</a:t>
+            </a:r>
+            <a:r>
+              <a:rPr lang="en-US" altLang="zh-TW" sz="2000" dirty="0" err="1" smtClean="0"/>
+              <a:t>colab</a:t>
+            </a:r>
+            <a:r>
+              <a:rPr lang="zh-TW" altLang="en-US" sz="2000" dirty="0" smtClean="0"/>
+              <a:t>時因為陣列長度</a:t>
+            </a:r>
+            <a:r>
+              <a:rPr lang="en-US" altLang="zh-TW" sz="2000" dirty="0" smtClean="0"/>
               <a:t>(</a:t>
             </a:r>
             <a:r>
-              <a:rPr lang="zh-TW" altLang="en-US" dirty="0"/>
-              <a:t>遇到的困難</a:t>
-            </a:r>
+              <a:rPr lang="zh-TW" altLang="en-US" sz="2000" dirty="0" smtClean="0"/>
+              <a:t>標籤格式</a:t>
+            </a:r>
+            <a:r>
+              <a:rPr lang="en-US" altLang="zh-TW" sz="2000" dirty="0" smtClean="0"/>
+              <a:t>)</a:t>
+            </a:r>
+            <a:r>
+              <a:rPr lang="zh-TW" altLang="en-US" sz="2000" dirty="0" smtClean="0"/>
+              <a:t>不同而報錯，但因為我們沒有元檔案的格式說明，所以暫時無法解決。</a:t>
+            </a:r>
+            <a:endParaRPr lang="en-US" altLang="zh-TW" dirty="0"/>
+          </a:p>
+          <a:p>
+            <a:r>
+              <a:rPr lang="zh-TW" altLang="en-US" sz="2400" dirty="0" smtClean="0"/>
+              <a:t>解決方式</a:t>
+            </a:r>
+            <a:r>
+              <a:rPr lang="en-US" altLang="zh-TW" sz="2400" dirty="0" smtClean="0"/>
+              <a:t>:</a:t>
+            </a:r>
+          </a:p>
+          <a:p>
+            <a:pPr marL="0" indent="0">
+              <a:buNone/>
+            </a:pPr>
             <a:r>
               <a:rPr lang="en-US" altLang="zh-TW" dirty="0"/>
+              <a:t>	</a:t>
+            </a:r>
+            <a:r>
+              <a:rPr lang="zh-TW" altLang="en-US" sz="2000" dirty="0" smtClean="0"/>
+              <a:t>後來在上課時詢問助教並得到了原檔案標籤格式，我利用</a:t>
+            </a:r>
+            <a:r>
+              <a:rPr lang="en-US" altLang="zh-TW" sz="2000" dirty="0" smtClean="0"/>
+              <a:t>excel</a:t>
+            </a:r>
+            <a:r>
+              <a:rPr lang="zh-TW" altLang="en-US" sz="2000" dirty="0" smtClean="0"/>
+              <a:t>將我們的資料轉換成</a:t>
+            </a:r>
+            <a:r>
+              <a:rPr lang="zh-TW" altLang="en-US" sz="2000" dirty="0"/>
+              <a:t>原檔案標籤</a:t>
+            </a:r>
+            <a:r>
+              <a:rPr lang="zh-TW" altLang="en-US" sz="2000" dirty="0" smtClean="0"/>
+              <a:t>格式後成功跑起來並得到了不錯的輸出。</a:t>
+            </a:r>
+            <a:endParaRPr lang="en-US" altLang="zh-TW" sz="2000" dirty="0" smtClean="0"/>
+          </a:p>
+          <a:p>
+            <a:r>
+              <a:rPr lang="zh-TW" altLang="en-US" sz="2400" dirty="0" smtClean="0"/>
+              <a:t>實</a:t>
+            </a:r>
+            <a:r>
+              <a:rPr lang="zh-TW" altLang="en-US" sz="2400" dirty="0"/>
+              <a:t>作過程中是否觀察到什麼、並說明</a:t>
+            </a:r>
+            <a:r>
+              <a:rPr lang="zh-TW" altLang="en-US" sz="2400" dirty="0" smtClean="0"/>
+              <a:t>之</a:t>
+            </a:r>
+            <a:r>
+              <a:rPr lang="en-US" altLang="zh-TW" sz="2400" dirty="0" smtClean="0"/>
+              <a:t>:</a:t>
+            </a:r>
+          </a:p>
+          <a:p>
+            <a:pPr marL="457200" lvl="1" indent="0">
+              <a:buNone/>
+            </a:pPr>
+            <a:r>
+              <a:rPr lang="en-US" altLang="zh-TW" sz="2000" dirty="0"/>
+              <a:t>	</a:t>
+            </a:r>
+            <a:r>
+              <a:rPr lang="zh-TW" altLang="en-US" sz="2000" dirty="0" smtClean="0"/>
+              <a:t>因為此次專案我去研究了網路上的</a:t>
+            </a:r>
+            <a:r>
+              <a:rPr lang="en-US" altLang="zh-TW" sz="2000" dirty="0" err="1"/>
+              <a:t>github</a:t>
+            </a:r>
+            <a:r>
+              <a:rPr lang="en-US" altLang="zh-TW" sz="2000" dirty="0"/>
+              <a:t>(</a:t>
+            </a:r>
+            <a:r>
+              <a:rPr lang="en-US" altLang="zh-TW" sz="2000" dirty="0">
+                <a:hlinkClick r:id="rId2"/>
+              </a:rPr>
+              <a:t>https://github.com/agrimgupta92/sgan</a:t>
+            </a:r>
+            <a:r>
+              <a:rPr lang="en-US" altLang="zh-TW" sz="2000" dirty="0" smtClean="0"/>
               <a:t>)</a:t>
             </a:r>
-          </a:p>
-          <a:p>
-            <a:r>
-              <a:rPr lang="en-US" altLang="zh-TW" dirty="0"/>
-              <a:t>(</a:t>
-            </a:r>
-            <a:r>
-              <a:rPr lang="zh-TW" altLang="en-US" dirty="0"/>
-              <a:t>解決方式</a:t>
-            </a:r>
-            <a:r>
-              <a:rPr lang="en-US" altLang="zh-TW" dirty="0"/>
-              <a:t>)</a:t>
-            </a:r>
-          </a:p>
-          <a:p>
-            <a:r>
-              <a:rPr lang="en-US" altLang="zh-TW" dirty="0"/>
-              <a:t>(</a:t>
-            </a:r>
-            <a:r>
-              <a:rPr lang="zh-TW" altLang="en-US" dirty="0"/>
-              <a:t>實作過程中是否觀察到什麼、並說明之</a:t>
-            </a:r>
-            <a:r>
-              <a:rPr lang="en-US" altLang="zh-TW" dirty="0"/>
-              <a:t>)</a:t>
-            </a:r>
-            <a:endParaRPr lang="zh-TW" altLang="en-US" dirty="0"/>
+            <a:r>
+              <a:rPr lang="zh-TW" altLang="en-US" sz="2000" dirty="0" smtClean="0"/>
+              <a:t>，發現我們的資料架構和他的很像，其中也看到了軌跡預測的可視化資訊我覺得十分特別。</a:t>
+            </a:r>
+            <a:endParaRPr lang="zh-TW" altLang="en-US" sz="2000" dirty="0"/>
           </a:p>
         </p:txBody>
       </p:sp>
@@ -4080,27 +4314,206 @@
             <p:ph idx="1"/>
           </p:nvPr>
         </p:nvSpPr>
-        <p:spPr/>
-        <p:txBody>
-          <a:bodyPr/>
+        <p:spPr>
+          <a:xfrm>
+            <a:off x="838200" y="1545336"/>
+            <a:ext cx="10515600" cy="5047488"/>
+          </a:xfrm>
+        </p:spPr>
+        <p:txBody>
+          <a:bodyPr>
+            <a:normAutofit/>
+          </a:bodyPr>
           <a:lstStyle/>
           <a:p>
             <a:r>
-              <a:rPr lang="en-US" altLang="zh-TW" dirty="0"/>
+              <a:rPr lang="zh-TW" altLang="en-US" sz="2000" dirty="0" smtClean="0"/>
+              <a:t>資料集</a:t>
+            </a:r>
+            <a:endParaRPr lang="en-US" altLang="zh-TW" sz="2000" dirty="0" smtClean="0">
+              <a:hlinkClick r:id="rId2"/>
+            </a:endParaRPr>
+          </a:p>
+          <a:p>
+            <a:pPr marL="0" indent="0">
+              <a:buNone/>
+            </a:pPr>
+            <a:r>
+              <a:rPr lang="en-US" altLang="zh-TW" sz="1600" dirty="0" smtClean="0">
+                <a:hlinkClick r:id="rId2"/>
+              </a:rPr>
+              <a:t>https</a:t>
+            </a:r>
+            <a:r>
+              <a:rPr lang="en-US" altLang="zh-TW" sz="1600" dirty="0">
+                <a:hlinkClick r:id="rId2"/>
+              </a:rPr>
+              <a:t>://data.kitware.com/?</a:t>
+            </a:r>
+            <a:r>
+              <a:rPr lang="en-US" altLang="zh-TW" sz="1600" dirty="0" smtClean="0">
+                <a:hlinkClick r:id="rId2"/>
+              </a:rPr>
+              <a:t>fbclid=IwAR11YaUee5BTVZe9avjNSKAZYPZXToVg1Tv7QVhu82ENzn-i9mGdgFua0GE#collection/56f56db28d777f753209ba9f/folder/56f581ce8d777f753209ca43</a:t>
+            </a:r>
+            <a:endParaRPr lang="en-US" altLang="zh-TW" sz="1600" dirty="0" smtClean="0"/>
+          </a:p>
+          <a:p>
+            <a:pPr marL="0" indent="0">
+              <a:buNone/>
+            </a:pPr>
+            <a:r>
+              <a:rPr lang="en-US" altLang="zh-TW" sz="1600" dirty="0">
+                <a:solidFill>
+                  <a:srgbClr val="FF0000"/>
+                </a:solidFill>
+                <a:hlinkClick r:id="rId3"/>
+              </a:rPr>
+              <a:t>https://data.kitware.com/?</a:t>
+            </a:r>
+            <a:r>
+              <a:rPr lang="en-US" altLang="zh-TW" sz="1600" dirty="0" smtClean="0">
+                <a:solidFill>
+                  <a:srgbClr val="FF0000"/>
+                </a:solidFill>
+                <a:hlinkClick r:id="rId3"/>
+              </a:rPr>
+              <a:t>fbclid=IwAR11YaUee5BTVZe9avjNSKAZYPZXToVg1Tv7QVhu82ENzn-i9mGdgFua0GE#collection/56f56db28d777f753209ba9f/folder/5a031a5f8d777f31ac64dfd2</a:t>
+            </a:r>
+            <a:endParaRPr lang="en-US" altLang="zh-TW" sz="1600" dirty="0" smtClean="0">
+              <a:solidFill>
+                <a:srgbClr val="FF0000"/>
+              </a:solidFill>
+            </a:endParaRPr>
+          </a:p>
+          <a:p>
+            <a:r>
+              <a:rPr lang="zh-TW" altLang="en-US" sz="2000" dirty="0" smtClean="0"/>
+              <a:t>參考資料</a:t>
+            </a:r>
+            <a:endParaRPr lang="en-US" altLang="zh-TW" sz="2000" dirty="0" smtClean="0">
+              <a:hlinkClick r:id="rId4"/>
+            </a:endParaRPr>
+          </a:p>
+          <a:p>
+            <a:pPr marL="0" indent="0">
+              <a:buNone/>
+            </a:pPr>
+            <a:r>
+              <a:rPr lang="en-US" altLang="zh-TW" sz="1600" dirty="0" smtClean="0">
+                <a:hlinkClick r:id="rId4"/>
+              </a:rPr>
+              <a:t>https</a:t>
+            </a:r>
+            <a:r>
+              <a:rPr lang="en-US" altLang="zh-TW" sz="1600" dirty="0">
+                <a:hlinkClick r:id="rId4"/>
+              </a:rPr>
+              <a:t>://github.com/agrimgupta92/sgan</a:t>
+            </a:r>
+            <a:endParaRPr lang="en-US" altLang="zh-TW" sz="1600" dirty="0">
+              <a:solidFill>
+                <a:srgbClr val="FF0000"/>
+              </a:solidFill>
+            </a:endParaRPr>
+          </a:p>
+          <a:p>
+            <a:r>
+              <a:rPr lang="zh-TW" altLang="en-US" sz="2000" dirty="0" smtClean="0"/>
+              <a:t>程式碼連結</a:t>
+            </a:r>
+            <a:r>
+              <a:rPr lang="en-US" altLang="zh-TW" sz="2000" dirty="0" smtClean="0"/>
               <a:t>(</a:t>
             </a:r>
             <a:r>
-              <a:rPr lang="zh-TW" altLang="en-US" dirty="0"/>
-              <a:t>附上所參考的網站、資料連結</a:t>
-            </a:r>
-            <a:r>
-              <a:rPr lang="en-US" altLang="zh-TW" dirty="0"/>
-              <a:t>)</a:t>
-            </a:r>
-          </a:p>
-          <a:p>
-            <a:r>
-              <a:rPr lang="en-US" altLang="zh-TW" dirty="0">
+              <a:rPr lang="zh-TW" altLang="en-US" sz="2000" dirty="0" smtClean="0"/>
+              <a:t>上傳到</a:t>
+            </a:r>
+            <a:r>
+              <a:rPr lang="en-US" altLang="zh-TW" sz="2000" dirty="0" smtClean="0"/>
+              <a:t>Google Drive)</a:t>
+            </a:r>
+          </a:p>
+          <a:p>
+            <a:pPr marL="0" indent="0">
+              <a:buNone/>
+            </a:pPr>
+            <a:r>
+              <a:rPr lang="zh-TW" altLang="en-US" sz="1600" dirty="0" smtClean="0"/>
+              <a:t>程式碼</a:t>
+            </a:r>
+            <a:r>
+              <a:rPr lang="en-US" altLang="zh-TW" sz="1600" dirty="0" smtClean="0"/>
+              <a:t>:</a:t>
+            </a:r>
+            <a:r>
+              <a:rPr lang="zh-TW" altLang="en-US" sz="1600" dirty="0" smtClean="0"/>
+              <a:t> </a:t>
+            </a:r>
+            <a:r>
+              <a:rPr lang="en-US" altLang="zh-TW" sz="1600" dirty="0">
+                <a:hlinkClick r:id="rId5"/>
+              </a:rPr>
+              <a:t>https://</a:t>
+            </a:r>
+            <a:r>
+              <a:rPr lang="en-US" altLang="zh-TW" sz="1600" dirty="0" smtClean="0">
+                <a:hlinkClick r:id="rId5"/>
+              </a:rPr>
+              <a:t>colab.research.google.com/drive/1Zuxwopg6GNtzu46if83et9R0NZhqNveh?usp=sharing</a:t>
+            </a:r>
+            <a:endParaRPr lang="en-US" altLang="zh-TW" sz="1600" dirty="0" smtClean="0"/>
+          </a:p>
+          <a:p>
+            <a:pPr marL="0" indent="0">
+              <a:buNone/>
+            </a:pPr>
+            <a:endParaRPr lang="en-US" altLang="zh-TW" sz="100" dirty="0"/>
+          </a:p>
+          <a:p>
+            <a:pPr marL="0" indent="0">
+              <a:buNone/>
+            </a:pPr>
+            <a:r>
+              <a:rPr lang="zh-TW" altLang="en-US" sz="1600" dirty="0" smtClean="0"/>
+              <a:t>資料架構</a:t>
+            </a:r>
+            <a:r>
+              <a:rPr lang="en-US" altLang="zh-TW" sz="1600" dirty="0"/>
+              <a:t>: </a:t>
+            </a:r>
+            <a:r>
+              <a:rPr lang="en-US" altLang="zh-TW" sz="1600" dirty="0">
+                <a:hlinkClick r:id="rId6"/>
+              </a:rPr>
+              <a:t>https://</a:t>
+            </a:r>
+            <a:r>
+              <a:rPr lang="en-US" altLang="zh-TW" sz="1600" dirty="0" smtClean="0">
+                <a:hlinkClick r:id="rId6"/>
+              </a:rPr>
+              <a:t>drive.google.com/drive/folders/1PuJxH84CRTvH_S5KnPG2sQG2Pwbu-iLA?usp=sharing</a:t>
+            </a:r>
+            <a:endParaRPr lang="en-US" altLang="zh-TW" sz="1600" dirty="0" smtClean="0"/>
+          </a:p>
+          <a:p>
+            <a:pPr marL="0" indent="0">
+              <a:buNone/>
+            </a:pPr>
+            <a:endParaRPr lang="en-US" altLang="zh-TW" sz="100" dirty="0"/>
+          </a:p>
+          <a:p>
+            <a:r>
+              <a:rPr lang="zh-TW" altLang="en-US" sz="2000" dirty="0" smtClean="0">
+                <a:solidFill>
+                  <a:srgbClr val="FF0000"/>
+                </a:solidFill>
+              </a:rPr>
+              <a:t>影片連結</a:t>
+            </a:r>
+            <a:r>
+              <a:rPr lang="en-US" altLang="zh-TW" sz="2000" dirty="0" smtClean="0">
                 <a:solidFill>
                   <a:srgbClr val="FF0000"/>
                 </a:solidFill>
@@ -4108,15 +4521,63 @@
               <a:t>(</a:t>
             </a:r>
             <a:r>
-              <a:rPr lang="zh-TW" altLang="en-US" dirty="0">
+              <a:rPr lang="zh-TW" altLang="en-US" sz="2000" dirty="0" smtClean="0">
                 <a:solidFill>
                   <a:srgbClr val="FF0000"/>
                 </a:solidFill>
               </a:rPr>
-              <a:t>附上程式碼連結</a:t>
-            </a:r>
-            <a:r>
-              <a:rPr lang="en-US" altLang="zh-TW" dirty="0">
+              <a:t>上傳到</a:t>
+            </a:r>
+            <a:r>
+              <a:rPr lang="en-US" altLang="zh-TW" sz="2000" dirty="0" smtClean="0">
+                <a:solidFill>
+                  <a:srgbClr val="FF0000"/>
+                </a:solidFill>
+              </a:rPr>
+              <a:t>YouTube)</a:t>
+            </a:r>
+            <a:r>
+              <a:rPr lang="zh-TW" altLang="en-US" sz="2000" dirty="0" smtClean="0">
+                <a:solidFill>
+                  <a:srgbClr val="FF0000"/>
+                </a:solidFill>
+              </a:rPr>
+              <a:t>，影片中需展示</a:t>
+            </a:r>
+            <a:r>
+              <a:rPr lang="en-US" altLang="zh-TW" sz="2000" dirty="0" err="1" smtClean="0">
+                <a:solidFill>
+                  <a:srgbClr val="FF0000"/>
+                </a:solidFill>
+              </a:rPr>
+              <a:t>ppt</a:t>
+            </a:r>
+            <a:r>
+              <a:rPr lang="zh-TW" altLang="en-US" sz="2000" dirty="0" smtClean="0">
+                <a:solidFill>
+                  <a:srgbClr val="FF0000"/>
+                </a:solidFill>
+              </a:rPr>
+              <a:t>並進行說明，時長</a:t>
+            </a:r>
+            <a:r>
+              <a:rPr lang="en-US" altLang="zh-TW" sz="2000" dirty="0" smtClean="0">
+                <a:solidFill>
+                  <a:srgbClr val="FF0000"/>
+                </a:solidFill>
+              </a:rPr>
+              <a:t>4~5</a:t>
+            </a:r>
+            <a:r>
+              <a:rPr lang="zh-TW" altLang="en-US" sz="2000" dirty="0" smtClean="0">
+                <a:solidFill>
+                  <a:srgbClr val="FF0000"/>
+                </a:solidFill>
+              </a:rPr>
+              <a:t>分鐘</a:t>
+            </a:r>
+            <a:r>
+              <a:rPr lang="en-US" altLang="zh-TW" sz="2000" dirty="0" smtClean="0">
                 <a:solidFill>
                   <a:srgbClr val="FF0000"/>
                 </a:solidFill>
@@ -4124,113 +4585,7 @@
               <a:t>(</a:t>
             </a:r>
             <a:r>
-              <a:rPr lang="zh-TW" altLang="en-US" dirty="0">
-                <a:solidFill>
-                  <a:srgbClr val="FF0000"/>
-                </a:solidFill>
-              </a:rPr>
-              <a:t>上傳到</a:t>
-            </a:r>
-            <a:r>
-              <a:rPr lang="en-US" altLang="zh-TW" dirty="0">
-                <a:solidFill>
-                  <a:srgbClr val="FF0000"/>
-                </a:solidFill>
-              </a:rPr>
-              <a:t>Google Drive))</a:t>
-            </a:r>
-          </a:p>
-          <a:p>
-            <a:r>
-              <a:rPr lang="en-US" altLang="zh-TW" dirty="0">
-                <a:solidFill>
-                  <a:srgbClr val="FF0000"/>
-                </a:solidFill>
-              </a:rPr>
-              <a:t>(</a:t>
-            </a:r>
-            <a:r>
-              <a:rPr lang="zh-TW" altLang="en-US" dirty="0">
-                <a:solidFill>
-                  <a:srgbClr val="FF0000"/>
-                </a:solidFill>
-              </a:rPr>
-              <a:t>附上期末報告錄製好的影片連結</a:t>
-            </a:r>
-            <a:r>
-              <a:rPr lang="en-US" altLang="zh-TW" dirty="0">
-                <a:solidFill>
-                  <a:srgbClr val="FF0000"/>
-                </a:solidFill>
-              </a:rPr>
-              <a:t>(</a:t>
-            </a:r>
-            <a:r>
-              <a:rPr lang="zh-TW" altLang="en-US" dirty="0">
-                <a:solidFill>
-                  <a:srgbClr val="FF0000"/>
-                </a:solidFill>
-              </a:rPr>
-              <a:t>上傳到</a:t>
-            </a:r>
-            <a:r>
-              <a:rPr lang="en-US" altLang="zh-TW" dirty="0">
-                <a:solidFill>
-                  <a:srgbClr val="FF0000"/>
-                </a:solidFill>
-              </a:rPr>
-              <a:t>YouTube)</a:t>
-            </a:r>
-            <a:r>
-              <a:rPr lang="zh-TW" altLang="en-US" dirty="0">
-                <a:solidFill>
-                  <a:srgbClr val="FF0000"/>
-                </a:solidFill>
-              </a:rPr>
-              <a:t>，影片中需展示</a:t>
-            </a:r>
-            <a:r>
-              <a:rPr lang="en-US" altLang="zh-TW" dirty="0" err="1">
-                <a:solidFill>
-                  <a:srgbClr val="FF0000"/>
-                </a:solidFill>
-              </a:rPr>
-              <a:t>ppt</a:t>
-            </a:r>
-            <a:r>
-              <a:rPr lang="zh-TW" altLang="en-US" dirty="0">
-                <a:solidFill>
-                  <a:srgbClr val="FF0000"/>
-                </a:solidFill>
-              </a:rPr>
-              <a:t>並進行說明，時長</a:t>
-            </a:r>
-            <a:r>
-              <a:rPr lang="en-US" altLang="zh-TW" dirty="0">
-                <a:solidFill>
-                  <a:srgbClr val="FF0000"/>
-                </a:solidFill>
-              </a:rPr>
-              <a:t>4~5</a:t>
-            </a:r>
-            <a:r>
-              <a:rPr lang="zh-TW" altLang="en-US" dirty="0">
-                <a:solidFill>
-                  <a:srgbClr val="FF0000"/>
-                </a:solidFill>
-              </a:rPr>
-              <a:t>分鐘</a:t>
-            </a:r>
-            <a:r>
-              <a:rPr lang="en-US" altLang="zh-TW" dirty="0">
-                <a:solidFill>
-                  <a:srgbClr val="FF0000"/>
-                </a:solidFill>
-              </a:rPr>
-              <a:t>(</a:t>
-            </a:r>
-            <a:r>
-              <a:rPr lang="zh-TW" altLang="en-US" dirty="0">
+              <a:rPr lang="zh-TW" altLang="en-US" sz="2000" dirty="0" smtClean="0">
                 <a:solidFill>
                   <a:srgbClr val="FF0000"/>
                 </a:solidFill>
@@ -4238,7 +4593,7 @@
               <a:t>錄製內容需包含電腦畫面</a:t>
             </a:r>
             <a:r>
-              <a:rPr lang="en-US" altLang="zh-TW" dirty="0">
+              <a:rPr lang="en-US" altLang="zh-TW" sz="2000" dirty="0" smtClean="0">
                 <a:solidFill>
                   <a:srgbClr val="FF0000"/>
                 </a:solidFill>
@@ -4246,7 +4601,7 @@
               <a:t>+</a:t>
             </a:r>
             <a:r>
-              <a:rPr lang="zh-TW" altLang="en-US" dirty="0">
+              <a:rPr lang="zh-TW" altLang="en-US" sz="2000" dirty="0" smtClean="0">
                 <a:solidFill>
                   <a:srgbClr val="FF0000"/>
                 </a:solidFill>
@@ -4254,25 +4609,25 @@
               <a:t>聲音，可使用</a:t>
             </a:r>
             <a:r>
-              <a:rPr lang="en-US" altLang="zh-TW" dirty="0">
+              <a:rPr lang="en-US" altLang="zh-TW" sz="2000" dirty="0" smtClean="0">
                 <a:solidFill>
                   <a:srgbClr val="FF0000"/>
                 </a:solidFill>
-                <a:hlinkClick r:id="rId2"/>
+                <a:hlinkClick r:id="rId7"/>
               </a:rPr>
               <a:t>Windows</a:t>
             </a:r>
             <a:r>
-              <a:rPr lang="zh-TW" altLang="en-US" dirty="0">
+              <a:rPr lang="zh-TW" altLang="en-US" sz="2000" dirty="0" smtClean="0">
                 <a:solidFill>
                   <a:srgbClr val="FF0000"/>
                 </a:solidFill>
-                <a:hlinkClick r:id="rId2"/>
+                <a:hlinkClick r:id="rId7"/>
               </a:rPr>
               <a:t>內鍵錄影軟體</a:t>
             </a:r>
             <a:r>
-              <a:rPr lang="zh-TW" altLang="en-US" dirty="0">
+              <a:rPr lang="zh-TW" altLang="en-US" sz="2000" dirty="0" smtClean="0">
                 <a:solidFill>
                   <a:srgbClr val="FF0000"/>
                 </a:solidFill>
@@ -4280,48 +4635,40 @@
               <a:t>或</a:t>
             </a:r>
             <a:r>
-              <a:rPr lang="en-US" altLang="zh-TW" dirty="0">
+              <a:rPr lang="en-US" altLang="zh-TW" sz="2000" dirty="0" smtClean="0">
                 <a:solidFill>
                   <a:srgbClr val="FF0000"/>
                 </a:solidFill>
-                <a:hlinkClick r:id="rId3"/>
+                <a:hlinkClick r:id="rId8"/>
               </a:rPr>
               <a:t>Mac</a:t>
             </a:r>
             <a:r>
-              <a:rPr lang="zh-TW" altLang="en-US" dirty="0">
+              <a:rPr lang="zh-TW" altLang="en-US" sz="2000" dirty="0" smtClean="0">
                 <a:solidFill>
                   <a:srgbClr val="FF0000"/>
                 </a:solidFill>
-                <a:hlinkClick r:id="rId3"/>
+                <a:hlinkClick r:id="rId8"/>
               </a:rPr>
               <a:t>內鍵錄影軟體</a:t>
             </a:r>
             <a:r>
-              <a:rPr lang="zh-TW" altLang="en-US" dirty="0">
+              <a:rPr lang="zh-TW" altLang="en-US" sz="2000" dirty="0" smtClean="0">
                 <a:solidFill>
                   <a:srgbClr val="FF0000"/>
                 </a:solidFill>
               </a:rPr>
-              <a:t>協助錄製期末</a:t>
-            </a:r>
-            <a:r>
-              <a:rPr lang="zh-TW" altLang="en-US">
-                <a:solidFill>
-                  <a:srgbClr val="FF0000"/>
-                </a:solidFill>
-              </a:rPr>
-              <a:t>報告影片</a:t>
-            </a:r>
-            <a:r>
-              <a:rPr lang="en-US" altLang="zh-TW">
+              <a:t>協助錄製期末報告影片</a:t>
+            </a:r>
+            <a:r>
+              <a:rPr lang="en-US" altLang="zh-TW" sz="2000" dirty="0" smtClean="0">
                 <a:solidFill>
                   <a:srgbClr val="FF0000"/>
                 </a:solidFill>
               </a:rPr>
               <a:t>))</a:t>
             </a:r>
-            <a:endParaRPr lang="zh-TW" altLang="en-US" dirty="0">
+            <a:endParaRPr lang="zh-TW" altLang="en-US" sz="2000" dirty="0" smtClean="0">
               <a:solidFill>
                 <a:srgbClr val="FF0000"/>
               </a:solidFill>

--- a/期末專案_第三組_小組報告/期末專案_第三組_小組報告.pptx
+++ b/期末專案_第三組_小組報告/期末專案_第三組_小組報告.pptx
@@ -4008,6 +4008,29 @@
           </a:p>
         </p:txBody>
       </p:sp>
+      <p:pic>
+        <p:nvPicPr>
+          <p:cNvPr id="4" name="圖片 3"/>
+          <p:cNvPicPr>
+            <a:picLocks noChangeAspect="1"/>
+          </p:cNvPicPr>
+          <p:nvPr/>
+        </p:nvPicPr>
+        <p:blipFill rotWithShape="1">
+          <a:blip r:embed="rId2"/>
+          <a:srcRect l="124" t="-677" r="11173" b="677"/>
+          <a:stretch/>
+        </p:blipFill>
+        <p:spPr>
+          <a:xfrm>
+            <a:off x="4843272" y="2517134"/>
+            <a:ext cx="6510528" cy="4047796"/>
+          </a:xfrm>
+          <a:prstGeom prst="rect">
+            <a:avLst/>
+          </a:prstGeom>
+        </p:spPr>
+      </p:pic>
     </p:spTree>
     <p:extLst>
       <p:ext uri="{BB962C8B-B14F-4D97-AF65-F5344CB8AC3E}">

--- a/期末專案_第三組_小組報告/期末專案_第三組_小組報告.pptx
+++ b/期末專案_第三組_小組報告/期末專案_第三組_小組報告.pptx
@@ -114,6 +114,18 @@
     </p:ext>
   </p:extLst>
 </p:presentation>
+</file>
+
+<file path=ppt/commentAuthors.xml><?xml version="1.0" encoding="utf-8"?>
+<p:cmAuthorLst xmlns:a="http://schemas.openxmlformats.org/drawingml/2006/main" xmlns:r="http://schemas.openxmlformats.org/officeDocument/2006/relationships" xmlns:p="http://schemas.openxmlformats.org/presentationml/2006/main">
+  <p:cmAuthor id="1" name="周雨柔" initials="周雨柔" lastIdx="0" clrIdx="0">
+    <p:extLst>
+      <p:ext uri="{19B8F6BF-5375-455C-9EA6-DF929625EA0E}">
+        <p15:presenceInfo xmlns:p15="http://schemas.microsoft.com/office/powerpoint/2012/main" userId="S-1-5-21-509091999-1828842504-2187520555-1001" providerId="AD"/>
+      </p:ext>
+    </p:extLst>
+  </p:cmAuthor>
+</p:cmAuthorLst>
 </file>
 
 <file path=ppt/changesInfos/changesInfo1.xml><?xml version="1.0" encoding="utf-8"?>
@@ -3605,11 +3617,11 @@
               <a:t>第</a:t>
             </a:r>
             <a:r>
-              <a:rPr lang="en-US" altLang="zh-TW" dirty="0" smtClean="0"/>
+              <a:rPr lang="en-US" altLang="zh-TW" dirty="0"/>
               <a:t>03</a:t>
             </a:r>
             <a:r>
-              <a:rPr lang="zh-TW" altLang="en-US" dirty="0" smtClean="0"/>
+              <a:rPr lang="zh-TW" altLang="en-US" dirty="0"/>
               <a:t>組</a:t>
             </a:r>
             <a:endParaRPr lang="en-US" altLang="zh-TW" dirty="0"/>
@@ -3628,7 +3640,7 @@
               <a:t>：</a:t>
             </a:r>
             <a:r>
-              <a:rPr lang="en-US" altLang="zh-TW" dirty="0" smtClean="0"/>
+              <a:rPr lang="en-US" altLang="zh-TW" dirty="0"/>
               <a:t>108820001 </a:t>
             </a:r>
             <a:r>
@@ -3651,14 +3663,13 @@
               <a:t>：</a:t>
             </a:r>
             <a:r>
-              <a:rPr lang="en-US" altLang="zh-TW" dirty="0" smtClean="0"/>
+              <a:rPr lang="en-US" altLang="zh-TW" dirty="0"/>
               <a:t>108820015 </a:t>
             </a:r>
             <a:r>
-              <a:rPr lang="zh-TW" altLang="en-US" dirty="0" smtClean="0"/>
+              <a:rPr lang="zh-TW" altLang="en-US" dirty="0"/>
               <a:t>周雨柔</a:t>
             </a:r>
-            <a:endParaRPr lang="zh-TW" altLang="en-US" dirty="0"/>
           </a:p>
         </p:txBody>
       </p:sp>
@@ -3732,11 +3743,11 @@
           <a:lstStyle/>
           <a:p>
             <a:r>
-              <a:rPr lang="zh-TW" altLang="en-US" sz="2400" dirty="0" smtClean="0"/>
+              <a:rPr lang="zh-TW" altLang="en-US" sz="2400" dirty="0"/>
               <a:t>軌跡預測 </a:t>
             </a:r>
             <a:r>
-              <a:rPr lang="en-US" altLang="zh-TW" sz="2400" dirty="0" smtClean="0"/>
+              <a:rPr lang="en-US" altLang="zh-TW" sz="2400" dirty="0"/>
               <a:t>:</a:t>
             </a:r>
           </a:p>
@@ -3745,30 +3756,30 @@
               <a:buNone/>
             </a:pPr>
             <a:r>
-              <a:rPr lang="en-US" altLang="zh-TW" sz="2000" dirty="0" smtClean="0"/>
+              <a:rPr lang="en-US" altLang="zh-TW" sz="2000" dirty="0"/>
               <a:t>	</a:t>
             </a:r>
             <a:r>
-              <a:rPr lang="zh-TW" altLang="en-US" sz="2000" dirty="0" smtClean="0"/>
+              <a:rPr lang="zh-TW" altLang="en-US" sz="2000" dirty="0"/>
               <a:t>使用</a:t>
             </a:r>
             <a:r>
-              <a:rPr lang="en-US" altLang="zh-TW" sz="2000" dirty="0" smtClean="0"/>
+              <a:rPr lang="en-US" altLang="zh-TW" sz="2000" dirty="0"/>
               <a:t>VIRAT_S_000002</a:t>
             </a:r>
             <a:r>
-              <a:rPr lang="zh-TW" altLang="en-US" sz="2000" dirty="0" smtClean="0"/>
+              <a:rPr lang="zh-TW" altLang="en-US" sz="2000" dirty="0"/>
               <a:t>、</a:t>
             </a:r>
             <a:r>
-              <a:rPr lang="en-US" altLang="zh-TW" sz="2000" dirty="0" smtClean="0"/>
+              <a:rPr lang="en-US" altLang="zh-TW" sz="2000" dirty="0"/>
               <a:t>VIRAT_S_000002.viratdata.objects.txt</a:t>
             </a:r>
             <a:r>
-              <a:rPr lang="zh-TW" altLang="en-US" sz="2000" dirty="0" smtClean="0"/>
+              <a:rPr lang="zh-TW" altLang="en-US" sz="2000" dirty="0"/>
               <a:t>為資料集</a:t>
             </a:r>
-            <a:endParaRPr lang="en-US" altLang="zh-TW" sz="2000" dirty="0" smtClean="0"/>
+            <a:endParaRPr lang="en-US" altLang="zh-TW" sz="2000" dirty="0"/>
           </a:p>
           <a:p>
             <a:r>
@@ -3781,44 +3792,39 @@
             </a:r>
             <a:r>
               <a:rPr lang="zh-TW" altLang="en-US" sz="2400" dirty="0"/>
-              <a:t>模型做</a:t>
-            </a:r>
-            <a:r>
-              <a:rPr lang="zh-TW" altLang="en-US" sz="2400" dirty="0" smtClean="0"/>
-              <a:t>訓練</a:t>
-            </a:r>
-            <a:r>
-              <a:rPr lang="en-US" altLang="zh-TW" sz="2400" dirty="0" smtClean="0"/>
+              <a:t>模型做訓練</a:t>
+            </a:r>
+            <a:r>
+              <a:rPr lang="en-US" altLang="zh-TW" sz="2400" dirty="0"/>
               <a:t>:</a:t>
             </a:r>
-            <a:endParaRPr lang="en-US" altLang="zh-TW" sz="2400" dirty="0"/>
           </a:p>
           <a:p>
             <a:pPr marL="0" indent="0">
               <a:buNone/>
             </a:pPr>
             <a:r>
-              <a:rPr lang="zh-TW" altLang="en-US" sz="2000" dirty="0" smtClean="0"/>
+              <a:rPr lang="zh-TW" altLang="en-US" sz="2000" dirty="0"/>
               <a:t> </a:t>
             </a:r>
             <a:r>
-              <a:rPr lang="en-US" altLang="zh-TW" sz="2000" dirty="0" smtClean="0"/>
+              <a:rPr lang="en-US" altLang="zh-TW" sz="2000" dirty="0"/>
               <a:t>	</a:t>
             </a:r>
             <a:r>
-              <a:rPr lang="zh-TW" altLang="en-US" sz="2000" dirty="0" smtClean="0"/>
+              <a:rPr lang="zh-TW" altLang="en-US" sz="2000" dirty="0"/>
               <a:t>基準參數</a:t>
             </a:r>
             <a:r>
-              <a:rPr lang="en-US" altLang="zh-TW" sz="2000" dirty="0" smtClean="0"/>
+              <a:rPr lang="en-US" altLang="zh-TW" sz="2000" dirty="0"/>
               <a:t>:</a:t>
             </a:r>
             <a:r>
-              <a:rPr lang="zh-TW" altLang="en-US" sz="2000" dirty="0" smtClean="0"/>
+              <a:rPr lang="zh-TW" altLang="en-US" sz="2000" dirty="0"/>
               <a:t> </a:t>
             </a:r>
             <a:r>
-              <a:rPr lang="en-US" altLang="zh-TW" sz="2000" dirty="0" smtClean="0"/>
+              <a:rPr lang="en-US" altLang="zh-TW" sz="2000" dirty="0"/>
               <a:t>--</a:t>
             </a:r>
             <a:r>
@@ -3835,14 +3841,10 @@
             </a:r>
             <a:r>
               <a:rPr lang="en-US" altLang="zh-TW" sz="2000" dirty="0"/>
-              <a:t> </a:t>
-            </a:r>
-            <a:r>
-              <a:rPr lang="en-US" altLang="zh-TW" sz="2000" dirty="0" smtClean="0"/>
-              <a:t>10</a:t>
-            </a:r>
-            <a:r>
-              <a:rPr lang="zh-TW" altLang="en-US" sz="2000" dirty="0" smtClean="0"/>
+              <a:t> 10</a:t>
+            </a:r>
+            <a:r>
+              <a:rPr lang="zh-TW" altLang="en-US" sz="2000" dirty="0"/>
               <a:t> </a:t>
             </a:r>
             <a:r>
@@ -3855,22 +3857,14 @@
             </a:r>
             <a:r>
               <a:rPr lang="en-US" altLang="zh-TW" sz="2000" dirty="0"/>
-              <a:t> </a:t>
-            </a:r>
-            <a:r>
-              <a:rPr lang="en-US" altLang="zh-TW" sz="2000" dirty="0" smtClean="0"/>
-              <a:t>50</a:t>
+              <a:t> 50</a:t>
             </a:r>
             <a:endParaRPr lang="en-US" altLang="zh-TW" dirty="0"/>
           </a:p>
           <a:p>
             <a:r>
-              <a:rPr lang="zh-TW" altLang="en-US" sz="2400" dirty="0" smtClean="0"/>
-              <a:t>更改</a:t>
-            </a:r>
-            <a:r>
               <a:rPr lang="zh-TW" altLang="en-US" sz="2400" dirty="0"/>
-              <a:t>的訓練參數</a:t>
+              <a:t>更改的訓練參數</a:t>
             </a:r>
             <a:r>
               <a:rPr lang="en-US" altLang="zh-TW" sz="2400" dirty="0"/>
@@ -3894,27 +3888,21 @@
             </a:r>
             <a:r>
               <a:rPr lang="zh-TW" altLang="en-US" sz="2400" dirty="0"/>
-              <a:t>、為何如此</a:t>
-            </a:r>
-            <a:r>
-              <a:rPr lang="zh-TW" altLang="en-US" sz="2400" dirty="0" smtClean="0"/>
-              <a:t>設定</a:t>
-            </a:r>
-            <a:r>
-              <a:rPr lang="en-US" altLang="zh-TW" sz="2400" dirty="0" smtClean="0"/>
+              <a:t>、為何如此設定</a:t>
+            </a:r>
+            <a:r>
+              <a:rPr lang="en-US" altLang="zh-TW" sz="2400" dirty="0"/>
               <a:t>:</a:t>
             </a:r>
-            <a:endParaRPr lang="en-US" altLang="zh-TW" sz="2400" dirty="0"/>
           </a:p>
           <a:p>
             <a:pPr marL="0" indent="0">
               <a:buNone/>
             </a:pPr>
             <a:r>
-              <a:rPr lang="en-US" altLang="zh-TW" sz="2000" dirty="0" smtClean="0"/>
+              <a:rPr lang="en-US" altLang="zh-TW" sz="2000" dirty="0"/>
               <a:t>	</a:t>
             </a:r>
-            <a:endParaRPr lang="en-US" altLang="zh-TW" sz="2000" dirty="0"/>
           </a:p>
         </p:txBody>
       </p:sp>
@@ -3960,13 +3948,36 @@
         </p:nvSpPr>
         <p:spPr/>
         <p:txBody>
-          <a:bodyPr/>
+          <a:bodyPr>
+            <a:normAutofit/>
+          </a:bodyPr>
           <a:lstStyle/>
           <a:p>
             <a:r>
               <a:rPr lang="zh-TW" altLang="en-US" dirty="0"/>
               <a:t>成果展示</a:t>
             </a:r>
+            <a:r>
+              <a:rPr lang="en-US" altLang="zh-TW" sz="2800" dirty="0"/>
+              <a:t>(</a:t>
+            </a:r>
+            <a:r>
+              <a:rPr lang="zh-TW" altLang="en-US" sz="2800" dirty="0"/>
+              <a:t>附上程式執行結果的影片</a:t>
+            </a:r>
+            <a:r>
+              <a:rPr lang="en-US" altLang="zh-TW" sz="2800" dirty="0"/>
+              <a:t>/</a:t>
+            </a:r>
+            <a:r>
+              <a:rPr lang="zh-TW" altLang="en-US" sz="2800" dirty="0"/>
+              <a:t>圖片連結</a:t>
+            </a:r>
+            <a:r>
+              <a:rPr lang="en-US" altLang="zh-TW" sz="2800" dirty="0"/>
+              <a:t>)</a:t>
+            </a:r>
+            <a:endParaRPr lang="zh-TW" altLang="en-US" dirty="0"/>
           </a:p>
         </p:txBody>
       </p:sp>
@@ -3980,31 +3991,379 @@
             <p:ph idx="1"/>
           </p:nvPr>
         </p:nvSpPr>
-        <p:spPr/>
-        <p:txBody>
-          <a:bodyPr/>
+        <p:spPr>
+          <a:xfrm>
+            <a:off x="274320" y="1378584"/>
+            <a:ext cx="11643360" cy="5367655"/>
+          </a:xfrm>
+        </p:spPr>
+        <p:txBody>
+          <a:bodyPr>
+            <a:normAutofit lnSpcReduction="10000"/>
+          </a:bodyPr>
           <a:lstStyle/>
           <a:p>
             <a:r>
-              <a:rPr lang="en-US" altLang="zh-TW" dirty="0"/>
-              <a:t>(</a:t>
-            </a:r>
-            <a:r>
-              <a:rPr lang="zh-TW" altLang="en-US" dirty="0"/>
-              <a:t>附上程式執行結果的影片</a:t>
-            </a:r>
-            <a:r>
-              <a:rPr lang="en-US" altLang="zh-TW" dirty="0"/>
-              <a:t>/</a:t>
-            </a:r>
-            <a:r>
-              <a:rPr lang="zh-TW" altLang="en-US" dirty="0"/>
-              <a:t>圖片連結</a:t>
-            </a:r>
-            <a:r>
-              <a:rPr lang="en-US" altLang="zh-TW" dirty="0"/>
-              <a:t>)</a:t>
-            </a:r>
+              <a:rPr lang="en-US" altLang="zh-TW" sz="2000" dirty="0"/>
+              <a:t>!python train.py --</a:t>
+            </a:r>
+            <a:r>
+              <a:rPr lang="en-US" altLang="zh-TW" sz="2000" dirty="0" err="1"/>
+              <a:t>obs_len</a:t>
+            </a:r>
+            <a:r>
+              <a:rPr lang="en-US" altLang="zh-TW" sz="2000" dirty="0"/>
+              <a:t> 10 --</a:t>
+            </a:r>
+            <a:r>
+              <a:rPr lang="en-US" altLang="zh-TW" sz="2000" dirty="0" err="1"/>
+              <a:t>pred_len</a:t>
+            </a:r>
+            <a:r>
+              <a:rPr lang="en-US" altLang="zh-TW" sz="2000" dirty="0"/>
+              <a:t> 10 --</a:t>
+            </a:r>
+            <a:r>
+              <a:rPr lang="en-US" altLang="zh-TW" sz="2000" dirty="0" err="1"/>
+              <a:t>num_epochs</a:t>
+            </a:r>
+            <a:r>
+              <a:rPr lang="en-US" altLang="zh-TW" sz="2000" dirty="0"/>
+              <a:t> 50</a:t>
+            </a:r>
+          </a:p>
+          <a:p>
+            <a:pPr marL="0" indent="0">
+              <a:buNone/>
+            </a:pPr>
+            <a:r>
+              <a:rPr lang="en-US" altLang="zh-TW" sz="2000" dirty="0" err="1"/>
+              <a:t>Pred</a:t>
+            </a:r>
+            <a:r>
+              <a:rPr lang="en-US" altLang="zh-TW" sz="2000" dirty="0"/>
+              <a:t> Len: 10, ADE: 0.03, FDE: 0.05, Time: 44.63512 (s), Counts: 9820, Avg time: 0.00455</a:t>
+            </a:r>
+          </a:p>
+          <a:p>
+            <a:r>
+              <a:rPr lang="en-US" altLang="zh-TW" sz="2000" dirty="0"/>
+              <a:t>!python train.py --</a:t>
+            </a:r>
+            <a:r>
+              <a:rPr lang="en-US" altLang="zh-TW" sz="2000" dirty="0" err="1"/>
+              <a:t>obs_len</a:t>
+            </a:r>
+            <a:r>
+              <a:rPr lang="en-US" altLang="zh-TW" sz="2000" dirty="0"/>
+              <a:t> 10 --</a:t>
+            </a:r>
+            <a:r>
+              <a:rPr lang="en-US" altLang="zh-TW" sz="2000" dirty="0" err="1"/>
+              <a:t>pred_len</a:t>
+            </a:r>
+            <a:r>
+              <a:rPr lang="en-US" altLang="zh-TW" sz="2000" dirty="0"/>
+              <a:t> 10 --</a:t>
+            </a:r>
+            <a:r>
+              <a:rPr lang="en-US" altLang="zh-TW" sz="2000" dirty="0" err="1"/>
+              <a:t>num_epochs</a:t>
+            </a:r>
+            <a:r>
+              <a:rPr lang="en-US" altLang="zh-TW" sz="2000" dirty="0"/>
+              <a:t> 50 --</a:t>
+            </a:r>
+            <a:r>
+              <a:rPr lang="en-US" altLang="zh-TW" sz="2000" dirty="0" err="1"/>
+              <a:t>g_learning_rate</a:t>
+            </a:r>
+            <a:r>
+              <a:rPr lang="en-US" altLang="zh-TW" sz="2000" dirty="0"/>
+              <a:t> 7e-4</a:t>
+            </a:r>
+          </a:p>
+          <a:p>
+            <a:pPr marL="0" indent="0">
+              <a:buNone/>
+            </a:pPr>
+            <a:r>
+              <a:rPr lang="en-US" altLang="zh-TW" sz="2000" dirty="0" err="1"/>
+              <a:t>Pred</a:t>
+            </a:r>
+            <a:r>
+              <a:rPr lang="en-US" altLang="zh-TW" sz="2000" dirty="0"/>
+              <a:t> Len: 10, ADE: 0.03, FDE: 0.05, Time: 44.72458 (s), Counts: 9820, Avg time: 0.00455</a:t>
+            </a:r>
+          </a:p>
+          <a:p>
+            <a:r>
+              <a:rPr lang="en-US" altLang="zh-TW" sz="2000" dirty="0"/>
+              <a:t>!python train.py --</a:t>
+            </a:r>
+            <a:r>
+              <a:rPr lang="en-US" altLang="zh-TW" sz="2000" dirty="0" err="1"/>
+              <a:t>obs_len</a:t>
+            </a:r>
+            <a:r>
+              <a:rPr lang="en-US" altLang="zh-TW" sz="2000" dirty="0"/>
+              <a:t> 10 --</a:t>
+            </a:r>
+            <a:r>
+              <a:rPr lang="en-US" altLang="zh-TW" sz="2000" dirty="0" err="1"/>
+              <a:t>pred_len</a:t>
+            </a:r>
+            <a:r>
+              <a:rPr lang="en-US" altLang="zh-TW" sz="2000" dirty="0"/>
+              <a:t> 10 --</a:t>
+            </a:r>
+            <a:r>
+              <a:rPr lang="en-US" altLang="zh-TW" sz="2000" dirty="0" err="1"/>
+              <a:t>num_epochs</a:t>
+            </a:r>
+            <a:r>
+              <a:rPr lang="en-US" altLang="zh-TW" sz="2000" dirty="0"/>
+              <a:t> 50 --</a:t>
+            </a:r>
+            <a:r>
+              <a:rPr lang="en-US" altLang="zh-TW" sz="2000" dirty="0" err="1"/>
+              <a:t>g_learning_rate</a:t>
+            </a:r>
+            <a:r>
+              <a:rPr lang="en-US" altLang="zh-TW" sz="2000" dirty="0"/>
+              <a:t> 3e-4</a:t>
+            </a:r>
+          </a:p>
+          <a:p>
+            <a:pPr marL="0" indent="0">
+              <a:buNone/>
+            </a:pPr>
+            <a:r>
+              <a:rPr lang="en-US" altLang="zh-TW" sz="2000" dirty="0" err="1"/>
+              <a:t>Pred</a:t>
+            </a:r>
+            <a:r>
+              <a:rPr lang="en-US" altLang="zh-TW" sz="2000" dirty="0"/>
+              <a:t> Len: 10, ADE: 0.03, FDE: 0.06, Time: 43.76614 (s), Counts: 9820, Avg time: 0.00446</a:t>
+            </a:r>
+          </a:p>
+          <a:p>
+            <a:r>
+              <a:rPr lang="en-US" altLang="zh-TW" sz="2000" dirty="0"/>
+              <a:t>!python train.py --</a:t>
+            </a:r>
+            <a:r>
+              <a:rPr lang="en-US" altLang="zh-TW" sz="2000" dirty="0" err="1"/>
+              <a:t>obs_len</a:t>
+            </a:r>
+            <a:r>
+              <a:rPr lang="en-US" altLang="zh-TW" sz="2000" dirty="0"/>
+              <a:t> 10 --</a:t>
+            </a:r>
+            <a:r>
+              <a:rPr lang="en-US" altLang="zh-TW" sz="2000" dirty="0" err="1"/>
+              <a:t>pred_len</a:t>
+            </a:r>
+            <a:r>
+              <a:rPr lang="en-US" altLang="zh-TW" sz="2000" dirty="0"/>
+              <a:t> 10 --</a:t>
+            </a:r>
+            <a:r>
+              <a:rPr lang="en-US" altLang="zh-TW" sz="2000" dirty="0" err="1"/>
+              <a:t>num_epochs</a:t>
+            </a:r>
+            <a:r>
+              <a:rPr lang="en-US" altLang="zh-TW" sz="2000" dirty="0"/>
+              <a:t> 50 --</a:t>
+            </a:r>
+            <a:r>
+              <a:rPr lang="en-US" altLang="zh-TW" sz="2000" dirty="0" err="1"/>
+              <a:t>g_learning_rate</a:t>
+            </a:r>
+            <a:r>
+              <a:rPr lang="en-US" altLang="zh-TW" sz="2000" dirty="0"/>
+              <a:t> 3e-3</a:t>
+            </a:r>
+          </a:p>
+          <a:p>
+            <a:pPr marL="0" indent="0">
+              <a:buNone/>
+            </a:pPr>
+            <a:r>
+              <a:rPr lang="en-US" altLang="zh-TW" sz="2000" dirty="0" err="1"/>
+              <a:t>Pred</a:t>
+            </a:r>
+            <a:r>
+              <a:rPr lang="en-US" altLang="zh-TW" sz="2000" dirty="0"/>
+              <a:t> Len: 10, ADE: 0.05, FDE: 0.08, Time: 47.18021 (s), Counts: 9820, Avg time: 0.00480</a:t>
+            </a:r>
+          </a:p>
+          <a:p>
+            <a:r>
+              <a:rPr lang="en-US" altLang="zh-TW" sz="2000" dirty="0"/>
+              <a:t>!python train.py --</a:t>
+            </a:r>
+            <a:r>
+              <a:rPr lang="en-US" altLang="zh-TW" sz="2000" dirty="0" err="1"/>
+              <a:t>obs_len</a:t>
+            </a:r>
+            <a:r>
+              <a:rPr lang="en-US" altLang="zh-TW" sz="2000" dirty="0"/>
+              <a:t> 10 --</a:t>
+            </a:r>
+            <a:r>
+              <a:rPr lang="en-US" altLang="zh-TW" sz="2000" dirty="0" err="1"/>
+              <a:t>pred_len</a:t>
+            </a:r>
+            <a:r>
+              <a:rPr lang="en-US" altLang="zh-TW" sz="2000" dirty="0"/>
+              <a:t> 10 --</a:t>
+            </a:r>
+            <a:r>
+              <a:rPr lang="en-US" altLang="zh-TW" sz="2000" dirty="0" err="1"/>
+              <a:t>num_epochs</a:t>
+            </a:r>
+            <a:r>
+              <a:rPr lang="en-US" altLang="zh-TW" sz="2000" dirty="0"/>
+              <a:t> 50 --</a:t>
+            </a:r>
+            <a:r>
+              <a:rPr lang="en-US" altLang="zh-TW" sz="2000" dirty="0" err="1"/>
+              <a:t>g_learning_rate</a:t>
+            </a:r>
+            <a:r>
+              <a:rPr lang="en-US" altLang="zh-TW" sz="2000" dirty="0"/>
+              <a:t> 3e-5</a:t>
+            </a:r>
+          </a:p>
+          <a:p>
+            <a:pPr marL="0" indent="0">
+              <a:buNone/>
+            </a:pPr>
+            <a:r>
+              <a:rPr lang="en-US" altLang="zh-TW" sz="2000" dirty="0" err="1"/>
+              <a:t>Pred</a:t>
+            </a:r>
+            <a:r>
+              <a:rPr lang="en-US" altLang="zh-TW" sz="2000" dirty="0"/>
+              <a:t> Len: 10, ADE: 0.04, FDE: 0.07, Time: 43.54612 (s), Counts: 9820, Avg time: 0.00443</a:t>
+            </a:r>
+          </a:p>
+          <a:p>
+            <a:r>
+              <a:rPr lang="en-US" altLang="zh-TW" sz="2000" dirty="0"/>
+              <a:t>!python train.py --</a:t>
+            </a:r>
+            <a:r>
+              <a:rPr lang="en-US" altLang="zh-TW" sz="2000" dirty="0" err="1"/>
+              <a:t>obs_len</a:t>
+            </a:r>
+            <a:r>
+              <a:rPr lang="en-US" altLang="zh-TW" sz="2000" dirty="0"/>
+              <a:t> 10 --</a:t>
+            </a:r>
+            <a:r>
+              <a:rPr lang="en-US" altLang="zh-TW" sz="2000" dirty="0" err="1"/>
+              <a:t>pred_len</a:t>
+            </a:r>
+            <a:r>
+              <a:rPr lang="en-US" altLang="zh-TW" sz="2000" dirty="0"/>
+              <a:t> 10 --</a:t>
+            </a:r>
+            <a:r>
+              <a:rPr lang="en-US" altLang="zh-TW" sz="2000" dirty="0" err="1"/>
+              <a:t>num_epochs</a:t>
+            </a:r>
+            <a:r>
+              <a:rPr lang="en-US" altLang="zh-TW" sz="2000" dirty="0"/>
+              <a:t> 50 --</a:t>
+            </a:r>
+            <a:r>
+              <a:rPr lang="en-US" altLang="zh-TW" sz="2000" dirty="0" err="1"/>
+              <a:t>d_learning_rate</a:t>
+            </a:r>
+            <a:r>
+              <a:rPr lang="en-US" altLang="zh-TW" sz="2000" dirty="0"/>
+              <a:t> 3e-5</a:t>
+            </a:r>
+          </a:p>
+          <a:p>
+            <a:pPr marL="0" indent="0">
+              <a:buNone/>
+            </a:pPr>
+            <a:r>
+              <a:rPr lang="en-US" altLang="zh-TW" sz="2000" dirty="0" err="1"/>
+              <a:t>Pred</a:t>
+            </a:r>
+            <a:r>
+              <a:rPr lang="en-US" altLang="zh-TW" sz="2000" dirty="0"/>
+              <a:t> Len: 10, ADE: 0.04, FDE: 0.07, Time: 44.58468 (s), Counts: 9820, Avg time: 0.00454</a:t>
+            </a:r>
+          </a:p>
+          <a:p>
+            <a:r>
+              <a:rPr lang="en-US" altLang="zh-TW" sz="2000" dirty="0"/>
+              <a:t>!python train.py --</a:t>
+            </a:r>
+            <a:r>
+              <a:rPr lang="en-US" altLang="zh-TW" sz="2000" dirty="0" err="1"/>
+              <a:t>obs_len</a:t>
+            </a:r>
+            <a:r>
+              <a:rPr lang="en-US" altLang="zh-TW" sz="2000" dirty="0"/>
+              <a:t> 10 --</a:t>
+            </a:r>
+            <a:r>
+              <a:rPr lang="en-US" altLang="zh-TW" sz="2000" dirty="0" err="1"/>
+              <a:t>pred_len</a:t>
+            </a:r>
+            <a:r>
+              <a:rPr lang="en-US" altLang="zh-TW" sz="2000" dirty="0"/>
+              <a:t> 10 --</a:t>
+            </a:r>
+            <a:r>
+              <a:rPr lang="en-US" altLang="zh-TW" sz="2000" dirty="0" err="1"/>
+              <a:t>num_epochs</a:t>
+            </a:r>
+            <a:r>
+              <a:rPr lang="en-US" altLang="zh-TW" sz="2000" dirty="0"/>
+              <a:t> 50 --</a:t>
+            </a:r>
+            <a:r>
+              <a:rPr lang="en-US" altLang="zh-TW" sz="2000" dirty="0" err="1"/>
+              <a:t>d_learning_rate</a:t>
+            </a:r>
+            <a:r>
+              <a:rPr lang="en-US" altLang="zh-TW" sz="2000" dirty="0"/>
+              <a:t> 3e-5 --</a:t>
+            </a:r>
+            <a:r>
+              <a:rPr lang="en-US" altLang="zh-TW" sz="2000" dirty="0" err="1"/>
+              <a:t>g_learning_rate</a:t>
+            </a:r>
+            <a:r>
+              <a:rPr lang="en-US" altLang="zh-TW" sz="2000" dirty="0"/>
+              <a:t> 3e-5</a:t>
+            </a:r>
+          </a:p>
+          <a:p>
+            <a:pPr marL="0" indent="0">
+              <a:buNone/>
+            </a:pPr>
+            <a:r>
+              <a:rPr lang="en-US" altLang="zh-TW" sz="2000" dirty="0" err="1"/>
+              <a:t>Pred</a:t>
+            </a:r>
+            <a:r>
+              <a:rPr lang="en-US" altLang="zh-TW" sz="2000" dirty="0"/>
+              <a:t> Len: 10, ADE: 0.04, FDE: 0.06, Time: 44.92492 (s), Counts: 9820, Avg time: 0.00457</a:t>
+            </a:r>
+          </a:p>
+          <a:p>
+            <a:endParaRPr lang="en-US" altLang="zh-TW" sz="2000" dirty="0"/>
+          </a:p>
+          <a:p>
+            <a:endParaRPr lang="en-US" altLang="zh-TW" sz="2000" dirty="0"/>
           </a:p>
         </p:txBody>
       </p:sp>
@@ -4073,34 +4432,28 @@
         <p:spPr>
           <a:xfrm>
             <a:off x="838200" y="1690688"/>
-            <a:ext cx="10515600" cy="4486275"/>
+            <a:ext cx="10515600" cy="4802187"/>
           </a:xfrm>
         </p:spPr>
         <p:txBody>
-          <a:bodyPr/>
+          <a:bodyPr>
+            <a:normAutofit/>
+          </a:bodyPr>
           <a:lstStyle/>
           <a:p>
             <a:r>
-              <a:rPr lang="zh-TW" altLang="en-US" sz="2400" dirty="0" smtClean="0"/>
-              <a:t>遇到</a:t>
-            </a:r>
-            <a:r>
               <a:rPr lang="zh-TW" altLang="en-US" sz="2400" dirty="0"/>
-              <a:t>的</a:t>
-            </a:r>
-            <a:r>
-              <a:rPr lang="zh-TW" altLang="en-US" sz="2400" dirty="0" smtClean="0"/>
-              <a:t>困難</a:t>
-            </a:r>
-            <a:r>
-              <a:rPr lang="en-US" altLang="zh-TW" sz="2400" dirty="0" smtClean="0"/>
+              <a:t>遇到的困難</a:t>
+            </a:r>
+            <a:r>
+              <a:rPr lang="en-US" altLang="zh-TW" sz="2400" dirty="0"/>
               <a:t>:</a:t>
             </a:r>
             <a:r>
-              <a:rPr lang="zh-TW" altLang="en-US" sz="2400" dirty="0" smtClean="0"/>
+              <a:rPr lang="zh-TW" altLang="en-US" sz="2400" dirty="0"/>
               <a:t> </a:t>
             </a:r>
-            <a:endParaRPr lang="en-US" altLang="zh-TW" sz="2400" dirty="0" smtClean="0"/>
+            <a:endParaRPr lang="en-US" altLang="zh-TW" sz="2400" dirty="0"/>
           </a:p>
           <a:p>
             <a:pPr marL="0" indent="0">
@@ -4111,58 +4464,58 @@
               <a:t>	</a:t>
             </a:r>
             <a:r>
-              <a:rPr lang="zh-TW" altLang="en-US" sz="2000" dirty="0" smtClean="0"/>
+              <a:rPr lang="zh-TW" altLang="en-US" sz="2000" dirty="0"/>
               <a:t>剛開始嘗試使用助教上一次專案給出的</a:t>
             </a:r>
             <a:r>
-              <a:rPr lang="en-US" altLang="zh-TW" sz="2000" dirty="0" smtClean="0"/>
+              <a:rPr lang="en-US" altLang="zh-TW" sz="2000" dirty="0"/>
               <a:t>social GAN</a:t>
             </a:r>
             <a:r>
-              <a:rPr lang="zh-TW" altLang="en-US" sz="2000" dirty="0" smtClean="0"/>
+              <a:rPr lang="zh-TW" altLang="en-US" sz="2000" dirty="0"/>
               <a:t>資料集作為樣本更改，研究了裡面資料的格式後發現與我們上網下載的標籤格式不同，將</a:t>
             </a:r>
             <a:r>
-              <a:rPr lang="en-US" altLang="zh-TW" sz="2000" dirty="0" smtClean="0"/>
+              <a:rPr lang="en-US" altLang="zh-TW" sz="2000" dirty="0"/>
               <a:t>dataset</a:t>
             </a:r>
             <a:r>
-              <a:rPr lang="zh-TW" altLang="en-US" sz="2000" dirty="0" smtClean="0"/>
+              <a:rPr lang="zh-TW" altLang="en-US" sz="2000" dirty="0"/>
               <a:t>換為我們的資料集後在跑</a:t>
             </a:r>
             <a:r>
-              <a:rPr lang="en-US" altLang="zh-TW" sz="2000" dirty="0" err="1" smtClean="0"/>
+              <a:rPr lang="en-US" altLang="zh-TW" sz="2000" dirty="0" err="1"/>
               <a:t>colab</a:t>
             </a:r>
             <a:r>
-              <a:rPr lang="zh-TW" altLang="en-US" sz="2000" dirty="0" smtClean="0"/>
+              <a:rPr lang="zh-TW" altLang="en-US" sz="2000" dirty="0"/>
               <a:t>時因為陣列長度</a:t>
             </a:r>
             <a:r>
-              <a:rPr lang="en-US" altLang="zh-TW" sz="2000" dirty="0" smtClean="0"/>
+              <a:rPr lang="en-US" altLang="zh-TW" sz="2000" dirty="0"/>
               <a:t>(</a:t>
             </a:r>
             <a:r>
-              <a:rPr lang="zh-TW" altLang="en-US" sz="2000" dirty="0" smtClean="0"/>
+              <a:rPr lang="zh-TW" altLang="en-US" sz="2000" dirty="0"/>
               <a:t>標籤格式</a:t>
             </a:r>
             <a:r>
-              <a:rPr lang="en-US" altLang="zh-TW" sz="2000" dirty="0" smtClean="0"/>
+              <a:rPr lang="en-US" altLang="zh-TW" sz="2000" dirty="0"/>
               <a:t>)</a:t>
             </a:r>
             <a:r>
-              <a:rPr lang="zh-TW" altLang="en-US" sz="2000" dirty="0" smtClean="0"/>
+              <a:rPr lang="zh-TW" altLang="en-US" sz="2000" dirty="0"/>
               <a:t>不同而報錯，但因為我們沒有元檔案的格式說明，所以暫時無法解決。</a:t>
             </a:r>
             <a:endParaRPr lang="en-US" altLang="zh-TW" dirty="0"/>
           </a:p>
           <a:p>
             <a:r>
-              <a:rPr lang="zh-TW" altLang="en-US" sz="2400" dirty="0" smtClean="0"/>
+              <a:rPr lang="zh-TW" altLang="en-US" sz="2400" dirty="0"/>
               <a:t>解決方式</a:t>
             </a:r>
             <a:r>
-              <a:rPr lang="en-US" altLang="zh-TW" sz="2400" dirty="0" smtClean="0"/>
+              <a:rPr lang="en-US" altLang="zh-TW" sz="2400" dirty="0"/>
               <a:t>:</a:t>
             </a:r>
           </a:p>
@@ -4175,42 +4528,26 @@
               <a:t>	</a:t>
             </a:r>
             <a:r>
-              <a:rPr lang="zh-TW" altLang="en-US" sz="2000" dirty="0" smtClean="0"/>
+              <a:rPr lang="zh-TW" altLang="en-US" sz="2000" dirty="0"/>
               <a:t>後來在上課時詢問助教並得到了原檔案標籤格式，我利用</a:t>
             </a:r>
             <a:r>
-              <a:rPr lang="en-US" altLang="zh-TW" sz="2000" dirty="0" smtClean="0"/>
+              <a:rPr lang="en-US" altLang="zh-TW" sz="2000" dirty="0"/>
               <a:t>excel</a:t>
             </a:r>
             <a:r>
-              <a:rPr lang="zh-TW" altLang="en-US" sz="2000" dirty="0" smtClean="0"/>
-              <a:t>將我們的資料轉換成</a:t>
-            </a:r>
-            <a:r>
               <a:rPr lang="zh-TW" altLang="en-US" sz="2000" dirty="0"/>
-              <a:t>原檔案標籤</a:t>
-            </a:r>
-            <a:r>
-              <a:rPr lang="zh-TW" altLang="en-US" sz="2000" dirty="0" smtClean="0"/>
-              <a:t>格式後成功跑起來並得到了不錯的輸出。</a:t>
-            </a:r>
-            <a:endParaRPr lang="en-US" altLang="zh-TW" sz="2000" dirty="0" smtClean="0"/>
-          </a:p>
-          <a:p>
-            <a:r>
-              <a:rPr lang="zh-TW" altLang="en-US" sz="2400" dirty="0" smtClean="0"/>
-              <a:t>實</a:t>
-            </a:r>
+              <a:t>將我們的資料轉換成原檔案標籤格式後成功跑起來並得到了不錯的輸出。</a:t>
+            </a:r>
+            <a:endParaRPr lang="en-US" altLang="zh-TW" sz="2000" dirty="0"/>
+          </a:p>
+          <a:p>
             <a:r>
               <a:rPr lang="zh-TW" altLang="en-US" sz="2400" dirty="0"/>
-              <a:t>作過程中是否觀察到什麼、並說明</a:t>
-            </a:r>
-            <a:r>
-              <a:rPr lang="zh-TW" altLang="en-US" sz="2400" dirty="0" smtClean="0"/>
-              <a:t>之</a:t>
-            </a:r>
-            <a:r>
-              <a:rPr lang="en-US" altLang="zh-TW" sz="2400" dirty="0" smtClean="0"/>
+              <a:t>實作過程中是否觀察到什麼、並說明之</a:t>
+            </a:r>
+            <a:r>
+              <a:rPr lang="en-US" altLang="zh-TW" sz="2400" dirty="0"/>
               <a:t>:</a:t>
             </a:r>
           </a:p>
@@ -4223,7 +4560,7 @@
               <a:t>	</a:t>
             </a:r>
             <a:r>
-              <a:rPr lang="zh-TW" altLang="en-US" sz="2000" dirty="0" smtClean="0"/>
+              <a:rPr lang="zh-TW" altLang="en-US" sz="2000" dirty="0"/>
               <a:t>因為此次專案我去研究了網路上的</a:t>
             </a:r>
             <a:r>
@@ -4241,14 +4578,64 @@
               <a:t>https://github.com/agrimgupta92/sgan</a:t>
             </a:r>
             <a:r>
-              <a:rPr lang="en-US" altLang="zh-TW" sz="2000" dirty="0" smtClean="0"/>
+              <a:rPr lang="en-US" altLang="zh-TW" sz="2000" dirty="0"/>
               <a:t>)</a:t>
             </a:r>
             <a:r>
-              <a:rPr lang="zh-TW" altLang="en-US" sz="2000" dirty="0" smtClean="0"/>
+              <a:rPr lang="zh-TW" altLang="en-US" sz="2000" dirty="0"/>
               <a:t>，發現我們的資料架構和他的很像，其中也看到了軌跡預測的可視化資訊我覺得十分特別。</a:t>
             </a:r>
-            <a:endParaRPr lang="zh-TW" altLang="en-US" sz="2000" dirty="0"/>
+            <a:endParaRPr lang="en-US" altLang="zh-TW" sz="2000" dirty="0"/>
+          </a:p>
+          <a:p>
+            <a:pPr marL="457200" lvl="1" indent="0">
+              <a:buNone/>
+            </a:pPr>
+            <a:r>
+              <a:rPr lang="en-US" altLang="zh-TW" sz="2000" dirty="0"/>
+              <a:t>	</a:t>
+            </a:r>
+            <a:r>
+              <a:rPr lang="zh-TW" altLang="en-US" sz="2000" dirty="0"/>
+              <a:t>同時使用</a:t>
+            </a:r>
+            <a:r>
+              <a:rPr lang="en-US" altLang="zh-TW" sz="2000" dirty="0" err="1"/>
+              <a:t>d_learning_rate</a:t>
+            </a:r>
+            <a:r>
+              <a:rPr lang="zh-TW" altLang="en-US" sz="2000" dirty="0"/>
+              <a:t>與</a:t>
+            </a:r>
+            <a:r>
+              <a:rPr lang="en-US" altLang="zh-TW" sz="2000" dirty="0" err="1"/>
+              <a:t>g_learning_rate</a:t>
+            </a:r>
+            <a:r>
+              <a:rPr lang="zh-TW" altLang="en-US" sz="2000" dirty="0"/>
+              <a:t>能減少誤差值，且</a:t>
+            </a:r>
+            <a:r>
+              <a:rPr lang="en-US" altLang="zh-TW" sz="2000" dirty="0"/>
+              <a:t>learning _rate</a:t>
+            </a:r>
+            <a:r>
+              <a:rPr lang="zh-TW" altLang="en-US" sz="2000" dirty="0"/>
+              <a:t>越靠近</a:t>
+            </a:r>
+            <a:r>
+              <a:rPr lang="en-US" altLang="zh-TW" sz="2000" dirty="0"/>
+              <a:t>default</a:t>
+            </a:r>
+            <a:r>
+              <a:rPr lang="zh-TW" altLang="en-US" sz="2000"/>
+              <a:t>值，誤差</a:t>
+            </a:r>
+            <a:r>
+              <a:rPr lang="zh-TW" altLang="en-US" sz="2000" dirty="0"/>
+              <a:t>越小；參數越大，誤差越高；參數過小，誤差也會提高。</a:t>
+            </a:r>
+            <a:endParaRPr lang="en-US" altLang="zh-TW" sz="2000" dirty="0"/>
           </a:p>
         </p:txBody>
       </p:sp>
@@ -4327,10 +4714,10 @@
           <a:lstStyle/>
           <a:p>
             <a:r>
-              <a:rPr lang="zh-TW" altLang="en-US" sz="2000" dirty="0" smtClean="0"/>
+              <a:rPr lang="zh-TW" altLang="en-US" sz="2000" dirty="0"/>
               <a:t>資料集</a:t>
             </a:r>
-            <a:endParaRPr lang="en-US" altLang="zh-TW" sz="2000" dirty="0" smtClean="0">
+            <a:endParaRPr lang="en-US" altLang="zh-TW" sz="2000" dirty="0">
               <a:hlinkClick r:id="rId2"/>
             </a:endParaRPr>
           </a:p>
@@ -4338,25 +4725,13 @@
             <a:pPr marL="0" indent="0">
               <a:buNone/>
             </a:pPr>
-            <a:r>
-              <a:rPr lang="en-US" altLang="zh-TW" sz="1600" dirty="0" smtClean="0">
-                <a:hlinkClick r:id="rId2"/>
-              </a:rPr>
-              <a:t>https</a:t>
-            </a:r>
             <a:r>
               <a:rPr lang="en-US" altLang="zh-TW" sz="1600" dirty="0">
                 <a:hlinkClick r:id="rId2"/>
               </a:rPr>
-              <a:t>://data.kitware.com/?</a:t>
-            </a:r>
-            <a:r>
-              <a:rPr lang="en-US" altLang="zh-TW" sz="1600" dirty="0" smtClean="0">
-                <a:hlinkClick r:id="rId2"/>
-              </a:rPr>
-              <a:t>fbclid=IwAR11YaUee5BTVZe9avjNSKAZYPZXToVg1Tv7QVhu82ENzn-i9mGdgFua0GE#collection/56f56db28d777f753209ba9f/folder/56f581ce8d777f753209ca43</a:t>
-            </a:r>
-            <a:endParaRPr lang="en-US" altLang="zh-TW" sz="1600" dirty="0" smtClean="0"/>
+              <a:t>https://data.kitware.com/?fbclid=IwAR11YaUee5BTVZe9avjNSKAZYPZXToVg1Tv7QVhu82ENzn-i9mGdgFua0GE#collection/56f56db28d777f753209ba9f/folder/56f581ce8d777f753209ca43</a:t>
+            </a:r>
+            <a:endParaRPr lang="en-US" altLang="zh-TW" sz="1600" dirty="0"/>
           </a:p>
           <a:p>
             <a:pPr marL="0" indent="0">
@@ -4369,47 +4744,7 @@
                 </a:solidFill>
                 <a:hlinkClick r:id="rId3"/>
               </a:rPr>
-              <a:t>https://data.kitware.com/?</a:t>
-            </a:r>
-            <a:r>
-              <a:rPr lang="en-US" altLang="zh-TW" sz="1600" dirty="0" smtClean="0">
-                <a:solidFill>
-                  <a:srgbClr val="FF0000"/>
-                </a:solidFill>
-                <a:hlinkClick r:id="rId3"/>
-              </a:rPr>
-              <a:t>fbclid=IwAR11YaUee5BTVZe9avjNSKAZYPZXToVg1Tv7QVhu82ENzn-i9mGdgFua0GE#collection/56f56db28d777f753209ba9f/folder/5a031a5f8d777f31ac64dfd2</a:t>
-            </a:r>
-            <a:endParaRPr lang="en-US" altLang="zh-TW" sz="1600" dirty="0" smtClean="0">
-              <a:solidFill>
-                <a:srgbClr val="FF0000"/>
-              </a:solidFill>
-            </a:endParaRPr>
-          </a:p>
-          <a:p>
-            <a:r>
-              <a:rPr lang="zh-TW" altLang="en-US" sz="2000" dirty="0" smtClean="0"/>
-              <a:t>參考資料</a:t>
-            </a:r>
-            <a:endParaRPr lang="en-US" altLang="zh-TW" sz="2000" dirty="0" smtClean="0">
-              <a:hlinkClick r:id="rId4"/>
-            </a:endParaRPr>
-          </a:p>
-          <a:p>
-            <a:pPr marL="0" indent="0">
-              <a:buNone/>
-            </a:pPr>
-            <a:r>
-              <a:rPr lang="en-US" altLang="zh-TW" sz="1600" dirty="0" smtClean="0">
-                <a:hlinkClick r:id="rId4"/>
-              </a:rPr>
-              <a:t>https</a:t>
-            </a:r>
-            <a:r>
-              <a:rPr lang="en-US" altLang="zh-TW" sz="1600" dirty="0">
-                <a:hlinkClick r:id="rId4"/>
-              </a:rPr>
-              <a:t>://github.com/agrimgupta92/sgan</a:t>
+              <a:t>https://data.kitware.com/?fbclid=IwAR11YaUee5BTVZe9avjNSKAZYPZXToVg1Tv7QVhu82ENzn-i9mGdgFua0GE#collection/56f56db28d777f753209ba9f/folder/5a031a5f8d777f31ac64dfd2</a:t>
             </a:r>
             <a:endParaRPr lang="en-US" altLang="zh-TW" sz="1600" dirty="0">
               <a:solidFill>
@@ -4419,19 +4754,44 @@
           </a:p>
           <a:p>
             <a:r>
-              <a:rPr lang="zh-TW" altLang="en-US" sz="2000" dirty="0" smtClean="0"/>
+              <a:rPr lang="zh-TW" altLang="en-US" sz="2000" dirty="0"/>
+              <a:t>參考資料</a:t>
+            </a:r>
+            <a:endParaRPr lang="en-US" altLang="zh-TW" sz="2000" dirty="0">
+              <a:hlinkClick r:id="rId4"/>
+            </a:endParaRPr>
+          </a:p>
+          <a:p>
+            <a:pPr marL="0" indent="0">
+              <a:buNone/>
+            </a:pPr>
+            <a:r>
+              <a:rPr lang="en-US" altLang="zh-TW" sz="1600" dirty="0">
+                <a:hlinkClick r:id="rId4"/>
+              </a:rPr>
+              <a:t>https://github.com/agrimgupta92/sgan</a:t>
+            </a:r>
+            <a:endParaRPr lang="en-US" altLang="zh-TW" sz="1600" dirty="0">
+              <a:solidFill>
+                <a:srgbClr val="FF0000"/>
+              </a:solidFill>
+            </a:endParaRPr>
+          </a:p>
+          <a:p>
+            <a:r>
+              <a:rPr lang="zh-TW" altLang="en-US" sz="2000" dirty="0"/>
               <a:t>程式碼連結</a:t>
             </a:r>
             <a:r>
-              <a:rPr lang="en-US" altLang="zh-TW" sz="2000" dirty="0" smtClean="0"/>
+              <a:rPr lang="en-US" altLang="zh-TW" sz="2000" dirty="0"/>
               <a:t>(</a:t>
             </a:r>
             <a:r>
-              <a:rPr lang="zh-TW" altLang="en-US" sz="2000" dirty="0" smtClean="0"/>
+              <a:rPr lang="zh-TW" altLang="en-US" sz="2000" dirty="0"/>
               <a:t>上傳到</a:t>
             </a:r>
             <a:r>
-              <a:rPr lang="en-US" altLang="zh-TW" sz="2000" dirty="0" smtClean="0"/>
+              <a:rPr lang="en-US" altLang="zh-TW" sz="2000" dirty="0"/>
               <a:t>Google Drive)</a:t>
             </a:r>
           </a:p>
@@ -4440,30 +4800,24 @@
               <a:buNone/>
             </a:pPr>
             <a:r>
-              <a:rPr lang="zh-TW" altLang="en-US" sz="1600" dirty="0" smtClean="0"/>
+              <a:rPr lang="zh-TW" altLang="en-US" sz="1600" dirty="0"/>
               <a:t>程式碼</a:t>
             </a:r>
             <a:r>
-              <a:rPr lang="en-US" altLang="zh-TW" sz="1600" dirty="0" smtClean="0"/>
+              <a:rPr lang="en-US" altLang="zh-TW" sz="1600" dirty="0"/>
               <a:t>:</a:t>
             </a:r>
             <a:r>
-              <a:rPr lang="zh-TW" altLang="en-US" sz="1600" dirty="0" smtClean="0"/>
+              <a:rPr lang="zh-TW" altLang="en-US" sz="1600" dirty="0"/>
               <a:t> </a:t>
             </a:r>
             <a:r>
               <a:rPr lang="en-US" altLang="zh-TW" sz="1600" dirty="0">
                 <a:hlinkClick r:id="rId5"/>
               </a:rPr>
-              <a:t>https://</a:t>
-            </a:r>
-            <a:r>
-              <a:rPr lang="en-US" altLang="zh-TW" sz="1600" dirty="0" smtClean="0">
-                <a:hlinkClick r:id="rId5"/>
-              </a:rPr>
-              <a:t>colab.research.google.com/drive/1Zuxwopg6GNtzu46if83et9R0NZhqNveh?usp=sharing</a:t>
-            </a:r>
-            <a:endParaRPr lang="en-US" altLang="zh-TW" sz="1600" dirty="0" smtClean="0"/>
+              <a:t>https://colab.research.google.com/drive/1Zuxwopg6GNtzu46if83et9R0NZhqNveh?usp=sharing</a:t>
+            </a:r>
+            <a:endParaRPr lang="en-US" altLang="zh-TW" sz="1600" dirty="0"/>
           </a:p>
           <a:p>
             <a:pPr marL="0" indent="0">
@@ -4476,7 +4830,7 @@
               <a:buNone/>
             </a:pPr>
             <a:r>
-              <a:rPr lang="zh-TW" altLang="en-US" sz="1600" dirty="0" smtClean="0"/>
+              <a:rPr lang="zh-TW" altLang="en-US" sz="1600" dirty="0"/>
               <a:t>資料架構</a:t>
             </a:r>
             <a:r>
@@ -4487,15 +4841,9 @@
               <a:rPr lang="en-US" altLang="zh-TW" sz="1600" dirty="0">
                 <a:hlinkClick r:id="rId6"/>
               </a:rPr>
-              <a:t>https://</a:t>
-            </a:r>
-            <a:r>
-              <a:rPr lang="en-US" altLang="zh-TW" sz="1600" dirty="0" smtClean="0">
-                <a:hlinkClick r:id="rId6"/>
-              </a:rPr>
-              <a:t>drive.google.com/drive/folders/1PuJxH84CRTvH_S5KnPG2sQG2Pwbu-iLA?usp=sharing</a:t>
-            </a:r>
-            <a:endParaRPr lang="en-US" altLang="zh-TW" sz="1600" dirty="0" smtClean="0"/>
+              <a:t>https://drive.google.com/drive/folders/1PuJxH84CRTvH_S5KnPG2sQG2Pwbu-iLA?usp=sharing</a:t>
+            </a:r>
+            <a:endParaRPr lang="en-US" altLang="zh-TW" sz="1600" dirty="0"/>
           </a:p>
           <a:p>
             <a:pPr marL="0" indent="0">
@@ -4505,7 +4853,7 @@
           </a:p>
           <a:p>
             <a:r>
-              <a:rPr lang="zh-TW" altLang="en-US" sz="2000" dirty="0" smtClean="0">
+              <a:rPr lang="zh-TW" altLang="en-US" sz="2000" dirty="0">
                 <a:solidFill>
                   <a:srgbClr val="FF0000"/>
                 </a:solidFill>
@@ -4513,7 +4861,7 @@
               <a:t>影片連結</a:t>
             </a:r>
             <a:r>
-              <a:rPr lang="en-US" altLang="zh-TW" sz="2000" dirty="0" smtClean="0">
+              <a:rPr lang="en-US" altLang="zh-TW" sz="2000" dirty="0">
                 <a:solidFill>
                   <a:srgbClr val="FF0000"/>
                 </a:solidFill>
@@ -4521,7 +4869,7 @@
               <a:t>(</a:t>
             </a:r>
             <a:r>
-              <a:rPr lang="zh-TW" altLang="en-US" sz="2000" dirty="0" smtClean="0">
+              <a:rPr lang="zh-TW" altLang="en-US" sz="2000" dirty="0">
                 <a:solidFill>
                   <a:srgbClr val="FF0000"/>
                 </a:solidFill>
@@ -4529,7 +4877,7 @@
               <a:t>上傳到</a:t>
             </a:r>
             <a:r>
-              <a:rPr lang="en-US" altLang="zh-TW" sz="2000" dirty="0" smtClean="0">
+              <a:rPr lang="en-US" altLang="zh-TW" sz="2000" dirty="0">
                 <a:solidFill>
                   <a:srgbClr val="FF0000"/>
                 </a:solidFill>
@@ -4537,7 +4885,7 @@
               <a:t>YouTube)</a:t>
             </a:r>
             <a:r>
-              <a:rPr lang="zh-TW" altLang="en-US" sz="2000" dirty="0" smtClean="0">
+              <a:rPr lang="zh-TW" altLang="en-US" sz="2000" dirty="0">
                 <a:solidFill>
                   <a:srgbClr val="FF0000"/>
                 </a:solidFill>
@@ -4545,7 +4893,7 @@
               <a:t>，影片中需展示</a:t>
             </a:r>
             <a:r>
-              <a:rPr lang="en-US" altLang="zh-TW" sz="2000" dirty="0" err="1" smtClean="0">
+              <a:rPr lang="en-US" altLang="zh-TW" sz="2000" dirty="0" err="1">
                 <a:solidFill>
                   <a:srgbClr val="FF0000"/>
                 </a:solidFill>
@@ -4553,7 +4901,7 @@
               <a:t>ppt</a:t>
             </a:r>
             <a:r>
-              <a:rPr lang="zh-TW" altLang="en-US" sz="2000" dirty="0" smtClean="0">
+              <a:rPr lang="zh-TW" altLang="en-US" sz="2000" dirty="0">
                 <a:solidFill>
                   <a:srgbClr val="FF0000"/>
                 </a:solidFill>
@@ -4561,7 +4909,7 @@
               <a:t>並進行說明，時長</a:t>
             </a:r>
             <a:r>
-              <a:rPr lang="en-US" altLang="zh-TW" sz="2000" dirty="0" smtClean="0">
+              <a:rPr lang="en-US" altLang="zh-TW" sz="2000" dirty="0">
                 <a:solidFill>
                   <a:srgbClr val="FF0000"/>
                 </a:solidFill>
@@ -4569,7 +4917,7 @@
               <a:t>4~5</a:t>
             </a:r>
             <a:r>
-              <a:rPr lang="zh-TW" altLang="en-US" sz="2000" dirty="0" smtClean="0">
+              <a:rPr lang="zh-TW" altLang="en-US" sz="2000" dirty="0">
                 <a:solidFill>
                   <a:srgbClr val="FF0000"/>
                 </a:solidFill>
@@ -4577,7 +4925,7 @@
               <a:t>分鐘</a:t>
             </a:r>
             <a:r>
-              <a:rPr lang="en-US" altLang="zh-TW" sz="2000" dirty="0" smtClean="0">
+              <a:rPr lang="en-US" altLang="zh-TW" sz="2000" dirty="0">
                 <a:solidFill>
                   <a:srgbClr val="FF0000"/>
                 </a:solidFill>
@@ -4585,7 +4933,7 @@
               <a:t>(</a:t>
             </a:r>
             <a:r>
-              <a:rPr lang="zh-TW" altLang="en-US" sz="2000" dirty="0" smtClean="0">
+              <a:rPr lang="zh-TW" altLang="en-US" sz="2000" dirty="0">
                 <a:solidFill>
                   <a:srgbClr val="FF0000"/>
                 </a:solidFill>
@@ -4593,7 +4941,7 @@
               <a:t>錄製內容需包含電腦畫面</a:t>
             </a:r>
             <a:r>
-              <a:rPr lang="en-US" altLang="zh-TW" sz="2000" dirty="0" smtClean="0">
+              <a:rPr lang="en-US" altLang="zh-TW" sz="2000" dirty="0">
                 <a:solidFill>
                   <a:srgbClr val="FF0000"/>
                 </a:solidFill>
@@ -4601,7 +4949,7 @@
               <a:t>+</a:t>
             </a:r>
             <a:r>
-              <a:rPr lang="zh-TW" altLang="en-US" sz="2000" dirty="0" smtClean="0">
+              <a:rPr lang="zh-TW" altLang="en-US" sz="2000" dirty="0">
                 <a:solidFill>
                   <a:srgbClr val="FF0000"/>
                 </a:solidFill>
@@ -4609,7 +4957,7 @@
               <a:t>聲音，可使用</a:t>
             </a:r>
             <a:r>
-              <a:rPr lang="en-US" altLang="zh-TW" sz="2000" dirty="0" smtClean="0">
+              <a:rPr lang="en-US" altLang="zh-TW" sz="2000" dirty="0">
                 <a:solidFill>
                   <a:srgbClr val="FF0000"/>
                 </a:solidFill>
@@ -4618,7 +4966,7 @@
               <a:t>Windows</a:t>
             </a:r>
             <a:r>
-              <a:rPr lang="zh-TW" altLang="en-US" sz="2000" dirty="0" smtClean="0">
+              <a:rPr lang="zh-TW" altLang="en-US" sz="2000" dirty="0">
                 <a:solidFill>
                   <a:srgbClr val="FF0000"/>
                 </a:solidFill>
@@ -4627,7 +4975,7 @@
               <a:t>內鍵錄影軟體</a:t>
             </a:r>
             <a:r>
-              <a:rPr lang="zh-TW" altLang="en-US" sz="2000" dirty="0" smtClean="0">
+              <a:rPr lang="zh-TW" altLang="en-US" sz="2000" dirty="0">
                 <a:solidFill>
                   <a:srgbClr val="FF0000"/>
                 </a:solidFill>
@@ -4635,7 +4983,7 @@
               <a:t>或</a:t>
             </a:r>
             <a:r>
-              <a:rPr lang="en-US" altLang="zh-TW" sz="2000" dirty="0" smtClean="0">
+              <a:rPr lang="en-US" altLang="zh-TW" sz="2000" dirty="0">
                 <a:solidFill>
                   <a:srgbClr val="FF0000"/>
                 </a:solidFill>
@@ -4644,7 +4992,7 @@
               <a:t>Mac</a:t>
             </a:r>
             <a:r>
-              <a:rPr lang="zh-TW" altLang="en-US" sz="2000" dirty="0" smtClean="0">
+              <a:rPr lang="zh-TW" altLang="en-US" sz="2000" dirty="0">
                 <a:solidFill>
                   <a:srgbClr val="FF0000"/>
                 </a:solidFill>
@@ -4653,7 +5001,7 @@
               <a:t>內鍵錄影軟體</a:t>
             </a:r>
             <a:r>
-              <a:rPr lang="zh-TW" altLang="en-US" sz="2000" dirty="0" smtClean="0">
+              <a:rPr lang="zh-TW" altLang="en-US" sz="2000" dirty="0">
                 <a:solidFill>
                   <a:srgbClr val="FF0000"/>
                 </a:solidFill>
@@ -4661,14 +5009,14 @@
               <a:t>協助錄製期末報告影片</a:t>
             </a:r>
             <a:r>
-              <a:rPr lang="en-US" altLang="zh-TW" sz="2000" dirty="0" smtClean="0">
+              <a:rPr lang="en-US" altLang="zh-TW" sz="2000" dirty="0">
                 <a:solidFill>
                   <a:srgbClr val="FF0000"/>
                 </a:solidFill>
               </a:rPr>
               <a:t>))</a:t>
             </a:r>
-            <a:endParaRPr lang="zh-TW" altLang="en-US" sz="2000" dirty="0" smtClean="0">
+            <a:endParaRPr lang="zh-TW" altLang="en-US" sz="2000" dirty="0">
               <a:solidFill>
                 <a:srgbClr val="FF0000"/>
               </a:solidFill>

--- a/期末專案_第三組_小組報告/期末專案_第三組_小組報告.pptx
+++ b/期末專案_第三組_小組報告/期末專案_第三組_小組報告.pptx
@@ -344,7 +344,7 @@
           <a:p>
             <a:fld id="{C20804F4-88D0-48BF-85B5-35BA29F70154}" type="datetimeFigureOut">
               <a:rPr lang="zh-TW" altLang="en-US" smtClean="0"/>
-              <a:t>2021/6/17</a:t>
+              <a:t>2021/6/22</a:t>
             </a:fld>
             <a:endParaRPr lang="zh-TW" altLang="en-US"/>
           </a:p>
@@ -730,7 +730,7 @@
           <a:p>
             <a:fld id="{C20804F4-88D0-48BF-85B5-35BA29F70154}" type="datetimeFigureOut">
               <a:rPr lang="zh-TW" altLang="en-US" smtClean="0"/>
-              <a:t>2021/6/17</a:t>
+              <a:t>2021/6/22</a:t>
             </a:fld>
             <a:endParaRPr lang="zh-TW" altLang="en-US"/>
           </a:p>
@@ -908,7 +908,7 @@
           <a:p>
             <a:fld id="{C20804F4-88D0-48BF-85B5-35BA29F70154}" type="datetimeFigureOut">
               <a:rPr lang="zh-TW" altLang="en-US" smtClean="0"/>
-              <a:t>2021/6/17</a:t>
+              <a:t>2021/6/22</a:t>
             </a:fld>
             <a:endParaRPr lang="zh-TW" altLang="en-US"/>
           </a:p>
@@ -1121,7 +1121,7 @@
           <a:p>
             <a:fld id="{C20804F4-88D0-48BF-85B5-35BA29F70154}" type="datetimeFigureOut">
               <a:rPr lang="zh-TW" altLang="en-US" smtClean="0"/>
-              <a:t>2021/6/17</a:t>
+              <a:t>2021/6/22</a:t>
             </a:fld>
             <a:endParaRPr lang="zh-TW" altLang="en-US"/>
           </a:p>
@@ -1449,7 +1449,7 @@
           <a:p>
             <a:fld id="{C20804F4-88D0-48BF-85B5-35BA29F70154}" type="datetimeFigureOut">
               <a:rPr lang="zh-TW" altLang="en-US" smtClean="0"/>
-              <a:t>2021/6/17</a:t>
+              <a:t>2021/6/22</a:t>
             </a:fld>
             <a:endParaRPr lang="zh-TW" altLang="en-US"/>
           </a:p>
@@ -1754,7 +1754,7 @@
           <a:p>
             <a:fld id="{C20804F4-88D0-48BF-85B5-35BA29F70154}" type="datetimeFigureOut">
               <a:rPr lang="zh-TW" altLang="en-US" smtClean="0"/>
-              <a:t>2021/6/17</a:t>
+              <a:t>2021/6/22</a:t>
             </a:fld>
             <a:endParaRPr lang="zh-TW" altLang="en-US"/>
           </a:p>
@@ -2201,7 +2201,7 @@
           <a:p>
             <a:fld id="{C20804F4-88D0-48BF-85B5-35BA29F70154}" type="datetimeFigureOut">
               <a:rPr lang="zh-TW" altLang="en-US" smtClean="0"/>
-              <a:t>2021/6/17</a:t>
+              <a:t>2021/6/22</a:t>
             </a:fld>
             <a:endParaRPr lang="zh-TW" altLang="en-US"/>
           </a:p>
@@ -2318,7 +2318,7 @@
           <a:p>
             <a:fld id="{C20804F4-88D0-48BF-85B5-35BA29F70154}" type="datetimeFigureOut">
               <a:rPr lang="zh-TW" altLang="en-US" smtClean="0"/>
-              <a:t>2021/6/17</a:t>
+              <a:t>2021/6/22</a:t>
             </a:fld>
             <a:endParaRPr lang="zh-TW" altLang="en-US"/>
           </a:p>
@@ -2413,7 +2413,7 @@
           <a:p>
             <a:fld id="{C20804F4-88D0-48BF-85B5-35BA29F70154}" type="datetimeFigureOut">
               <a:rPr lang="zh-TW" altLang="en-US" smtClean="0"/>
-              <a:t>2021/6/17</a:t>
+              <a:t>2021/6/22</a:t>
             </a:fld>
             <a:endParaRPr lang="zh-TW" altLang="en-US"/>
           </a:p>
@@ -2688,7 +2688,7 @@
           <a:p>
             <a:fld id="{C20804F4-88D0-48BF-85B5-35BA29F70154}" type="datetimeFigureOut">
               <a:rPr lang="zh-TW" altLang="en-US" smtClean="0"/>
-              <a:t>2021/6/17</a:t>
+              <a:t>2021/6/22</a:t>
             </a:fld>
             <a:endParaRPr lang="zh-TW" altLang="en-US"/>
           </a:p>
@@ -2943,7 +2943,7 @@
           <a:p>
             <a:fld id="{C20804F4-88D0-48BF-85B5-35BA29F70154}" type="datetimeFigureOut">
               <a:rPr lang="zh-TW" altLang="en-US" smtClean="0"/>
-              <a:t>2021/6/17</a:t>
+              <a:t>2021/6/22</a:t>
             </a:fld>
             <a:endParaRPr lang="zh-TW" altLang="en-US"/>
           </a:p>
@@ -3156,7 +3156,7 @@
           <a:p>
             <a:fld id="{C20804F4-88D0-48BF-85B5-35BA29F70154}" type="datetimeFigureOut">
               <a:rPr lang="zh-TW" altLang="en-US" smtClean="0"/>
-              <a:t>2021/6/17</a:t>
+              <a:t>2021/6/22</a:t>
             </a:fld>
             <a:endParaRPr lang="zh-TW" altLang="en-US"/>
           </a:p>
@@ -3683,6 +3683,13 @@
   <p:clrMapOvr>
     <a:masterClrMapping/>
   </p:clrMapOvr>
+  <p:timing>
+    <p:tnLst>
+      <p:par>
+        <p:cTn id="1" dur="indefinite" restart="never" nodeType="tmRoot"/>
+      </p:par>
+    </p:tnLst>
+  </p:timing>
 </p:sld>
 </file>
 
@@ -3903,6 +3910,31 @@
               <a:rPr lang="en-US" altLang="zh-TW" sz="2000" dirty="0"/>
               <a:t>	</a:t>
             </a:r>
+            <a:r>
+              <a:rPr lang="en-US" altLang="zh-TW" sz="2000" dirty="0"/>
+              <a:t> </a:t>
+            </a:r>
+            <a:r>
+              <a:rPr lang="zh-TW" altLang="en-US" sz="2000" dirty="0" smtClean="0"/>
+              <a:t>更改</a:t>
+            </a:r>
+            <a:r>
+              <a:rPr lang="en-US" altLang="zh-TW" sz="2000" dirty="0" err="1" smtClean="0"/>
+              <a:t>d_learning_rate</a:t>
+            </a:r>
+            <a:r>
+              <a:rPr lang="zh-TW" altLang="en-US" sz="2000" dirty="0"/>
+              <a:t>與</a:t>
+            </a:r>
+            <a:r>
+              <a:rPr lang="en-US" altLang="zh-TW" sz="2000" dirty="0" err="1" smtClean="0"/>
+              <a:t>g_learning_rate</a:t>
+            </a:r>
+            <a:r>
+              <a:rPr lang="zh-TW" altLang="en-US" sz="2000" dirty="0" smtClean="0"/>
+              <a:t>參數嘗試誤差值變化</a:t>
+            </a:r>
+            <a:endParaRPr lang="en-US" altLang="zh-TW" sz="2000" dirty="0"/>
           </a:p>
         </p:txBody>
       </p:sp>
@@ -3916,6 +3948,13 @@
   <p:clrMapOvr>
     <a:masterClrMapping/>
   </p:clrMapOvr>
+  <p:timing>
+    <p:tnLst>
+      <p:par>
+        <p:cTn id="1" dur="indefinite" restart="never" nodeType="tmRoot"/>
+      </p:par>
+    </p:tnLst>
+  </p:timing>
 </p:sld>
 </file>
 
@@ -4042,7 +4081,19 @@
             </a:r>
             <a:r>
               <a:rPr lang="en-US" altLang="zh-TW" sz="2000" dirty="0"/>
-              <a:t> Len: 10, ADE: 0.03, FDE: 0.05, Time: 44.63512 (s), Counts: 9820, Avg time: 0.00455</a:t>
+              <a:t> Len: 10, </a:t>
+            </a:r>
+            <a:r>
+              <a:rPr lang="en-US" altLang="zh-TW" sz="2000" dirty="0">
+                <a:solidFill>
+                  <a:srgbClr val="0070C0"/>
+                </a:solidFill>
+              </a:rPr>
+              <a:t>ADE: 0.03, FDE: 0.05</a:t>
+            </a:r>
+            <a:r>
+              <a:rPr lang="en-US" altLang="zh-TW" sz="2000" dirty="0"/>
+              <a:t>, Time: 44.63512 (s), Counts: 9820, Avg time: 0.00455</a:t>
             </a:r>
           </a:p>
           <a:p>
@@ -4072,14 +4123,30 @@
             </a:r>
             <a:r>
               <a:rPr lang="en-US" altLang="zh-TW" sz="2000" dirty="0"/>
-              <a:t> 50 --</a:t>
-            </a:r>
-            <a:r>
-              <a:rPr lang="en-US" altLang="zh-TW" sz="2000" dirty="0" err="1"/>
+              <a:t> 50 </a:t>
+            </a:r>
+            <a:r>
+              <a:rPr lang="en-US" altLang="zh-TW" sz="2000" dirty="0">
+                <a:solidFill>
+                  <a:srgbClr val="0070C0"/>
+                </a:solidFill>
+              </a:rPr>
+              <a:t>--</a:t>
+            </a:r>
+            <a:r>
+              <a:rPr lang="en-US" altLang="zh-TW" sz="2000" dirty="0" err="1">
+                <a:solidFill>
+                  <a:srgbClr val="0070C0"/>
+                </a:solidFill>
+              </a:rPr>
               <a:t>g_learning_rate</a:t>
             </a:r>
             <a:r>
-              <a:rPr lang="en-US" altLang="zh-TW" sz="2000" dirty="0"/>
+              <a:rPr lang="en-US" altLang="zh-TW" sz="2000" dirty="0">
+                <a:solidFill>
+                  <a:srgbClr val="0070C0"/>
+                </a:solidFill>
+              </a:rPr>
               <a:t> 7e-4</a:t>
             </a:r>
           </a:p>
@@ -4093,7 +4160,19 @@
             </a:r>
             <a:r>
               <a:rPr lang="en-US" altLang="zh-TW" sz="2000" dirty="0"/>
-              <a:t> Len: 10, ADE: 0.03, FDE: 0.05, Time: 44.72458 (s), Counts: 9820, Avg time: 0.00455</a:t>
+              <a:t> Len: 10, </a:t>
+            </a:r>
+            <a:r>
+              <a:rPr lang="en-US" altLang="zh-TW" sz="2000" dirty="0">
+                <a:solidFill>
+                  <a:srgbClr val="0070C0"/>
+                </a:solidFill>
+              </a:rPr>
+              <a:t>ADE: 0.03, FDE: 0.05</a:t>
+            </a:r>
+            <a:r>
+              <a:rPr lang="en-US" altLang="zh-TW" sz="2000" dirty="0"/>
+              <a:t>, Time: 44.72458 (s), Counts: 9820, Avg time: 0.00455</a:t>
             </a:r>
           </a:p>
           <a:p>
@@ -4123,14 +4202,30 @@
             </a:r>
             <a:r>
               <a:rPr lang="en-US" altLang="zh-TW" sz="2000" dirty="0"/>
-              <a:t> 50 --</a:t>
-            </a:r>
-            <a:r>
-              <a:rPr lang="en-US" altLang="zh-TW" sz="2000" dirty="0" err="1"/>
+              <a:t> 50 </a:t>
+            </a:r>
+            <a:r>
+              <a:rPr lang="en-US" altLang="zh-TW" sz="2000" dirty="0">
+                <a:solidFill>
+                  <a:srgbClr val="0070C0"/>
+                </a:solidFill>
+              </a:rPr>
+              <a:t>--</a:t>
+            </a:r>
+            <a:r>
+              <a:rPr lang="en-US" altLang="zh-TW" sz="2000" dirty="0" err="1">
+                <a:solidFill>
+                  <a:srgbClr val="0070C0"/>
+                </a:solidFill>
+              </a:rPr>
               <a:t>g_learning_rate</a:t>
             </a:r>
             <a:r>
-              <a:rPr lang="en-US" altLang="zh-TW" sz="2000" dirty="0"/>
+              <a:rPr lang="en-US" altLang="zh-TW" sz="2000" dirty="0">
+                <a:solidFill>
+                  <a:srgbClr val="0070C0"/>
+                </a:solidFill>
+              </a:rPr>
               <a:t> 3e-4</a:t>
             </a:r>
           </a:p>
@@ -4144,7 +4239,19 @@
             </a:r>
             <a:r>
               <a:rPr lang="en-US" altLang="zh-TW" sz="2000" dirty="0"/>
-              <a:t> Len: 10, ADE: 0.03, FDE: 0.06, Time: 43.76614 (s), Counts: 9820, Avg time: 0.00446</a:t>
+              <a:t> Len: 10, </a:t>
+            </a:r>
+            <a:r>
+              <a:rPr lang="en-US" altLang="zh-TW" sz="2000" dirty="0">
+                <a:solidFill>
+                  <a:srgbClr val="0070C0"/>
+                </a:solidFill>
+              </a:rPr>
+              <a:t>ADE: 0.03, FDE: 0.06</a:t>
+            </a:r>
+            <a:r>
+              <a:rPr lang="en-US" altLang="zh-TW" sz="2000" dirty="0"/>
+              <a:t>, Time: 43.76614 (s), Counts: 9820, Avg time: 0.00446</a:t>
             </a:r>
           </a:p>
           <a:p>
@@ -4174,14 +4281,30 @@
             </a:r>
             <a:r>
               <a:rPr lang="en-US" altLang="zh-TW" sz="2000" dirty="0"/>
-              <a:t> 50 --</a:t>
-            </a:r>
-            <a:r>
-              <a:rPr lang="en-US" altLang="zh-TW" sz="2000" dirty="0" err="1"/>
+              <a:t> 50 </a:t>
+            </a:r>
+            <a:r>
+              <a:rPr lang="en-US" altLang="zh-TW" sz="2000" dirty="0">
+                <a:solidFill>
+                  <a:srgbClr val="0070C0"/>
+                </a:solidFill>
+              </a:rPr>
+              <a:t>--</a:t>
+            </a:r>
+            <a:r>
+              <a:rPr lang="en-US" altLang="zh-TW" sz="2000" dirty="0" err="1">
+                <a:solidFill>
+                  <a:srgbClr val="0070C0"/>
+                </a:solidFill>
+              </a:rPr>
               <a:t>g_learning_rate</a:t>
             </a:r>
             <a:r>
-              <a:rPr lang="en-US" altLang="zh-TW" sz="2000" dirty="0"/>
+              <a:rPr lang="en-US" altLang="zh-TW" sz="2000" dirty="0">
+                <a:solidFill>
+                  <a:srgbClr val="0070C0"/>
+                </a:solidFill>
+              </a:rPr>
               <a:t> 3e-3</a:t>
             </a:r>
           </a:p>
@@ -4195,7 +4318,19 @@
             </a:r>
             <a:r>
               <a:rPr lang="en-US" altLang="zh-TW" sz="2000" dirty="0"/>
-              <a:t> Len: 10, ADE: 0.05, FDE: 0.08, Time: 47.18021 (s), Counts: 9820, Avg time: 0.00480</a:t>
+              <a:t> Len: 10, </a:t>
+            </a:r>
+            <a:r>
+              <a:rPr lang="en-US" altLang="zh-TW" sz="2000" dirty="0">
+                <a:solidFill>
+                  <a:srgbClr val="0070C0"/>
+                </a:solidFill>
+              </a:rPr>
+              <a:t>ADE: 0.05, FDE: 0.08</a:t>
+            </a:r>
+            <a:r>
+              <a:rPr lang="en-US" altLang="zh-TW" sz="2000" dirty="0"/>
+              <a:t>, Time: 47.18021 (s), Counts: 9820, Avg time: 0.00480</a:t>
             </a:r>
           </a:p>
           <a:p>
@@ -4225,14 +4360,30 @@
             </a:r>
             <a:r>
               <a:rPr lang="en-US" altLang="zh-TW" sz="2000" dirty="0"/>
-              <a:t> 50 --</a:t>
-            </a:r>
-            <a:r>
-              <a:rPr lang="en-US" altLang="zh-TW" sz="2000" dirty="0" err="1"/>
+              <a:t> 50 </a:t>
+            </a:r>
+            <a:r>
+              <a:rPr lang="en-US" altLang="zh-TW" sz="2000" dirty="0">
+                <a:solidFill>
+                  <a:srgbClr val="0070C0"/>
+                </a:solidFill>
+              </a:rPr>
+              <a:t>--</a:t>
+            </a:r>
+            <a:r>
+              <a:rPr lang="en-US" altLang="zh-TW" sz="2000" dirty="0" err="1">
+                <a:solidFill>
+                  <a:srgbClr val="0070C0"/>
+                </a:solidFill>
+              </a:rPr>
               <a:t>g_learning_rate</a:t>
             </a:r>
             <a:r>
-              <a:rPr lang="en-US" altLang="zh-TW" sz="2000" dirty="0"/>
+              <a:rPr lang="en-US" altLang="zh-TW" sz="2000" dirty="0">
+                <a:solidFill>
+                  <a:srgbClr val="0070C0"/>
+                </a:solidFill>
+              </a:rPr>
               <a:t> 3e-5</a:t>
             </a:r>
           </a:p>
@@ -4246,7 +4397,19 @@
             </a:r>
             <a:r>
               <a:rPr lang="en-US" altLang="zh-TW" sz="2000" dirty="0"/>
-              <a:t> Len: 10, ADE: 0.04, FDE: 0.07, Time: 43.54612 (s), Counts: 9820, Avg time: 0.00443</a:t>
+              <a:t> Len: 10, </a:t>
+            </a:r>
+            <a:r>
+              <a:rPr lang="en-US" altLang="zh-TW" sz="2000" dirty="0">
+                <a:solidFill>
+                  <a:srgbClr val="0070C0"/>
+                </a:solidFill>
+              </a:rPr>
+              <a:t>ADE: 0.04, FDE: 0.07</a:t>
+            </a:r>
+            <a:r>
+              <a:rPr lang="en-US" altLang="zh-TW" sz="2000" dirty="0"/>
+              <a:t>, Time: 43.54612 (s), Counts: 9820, Avg time: 0.00443</a:t>
             </a:r>
           </a:p>
           <a:p>
@@ -4276,14 +4439,30 @@
             </a:r>
             <a:r>
               <a:rPr lang="en-US" altLang="zh-TW" sz="2000" dirty="0"/>
-              <a:t> 50 --</a:t>
-            </a:r>
-            <a:r>
-              <a:rPr lang="en-US" altLang="zh-TW" sz="2000" dirty="0" err="1"/>
+              <a:t> 50 </a:t>
+            </a:r>
+            <a:r>
+              <a:rPr lang="en-US" altLang="zh-TW" sz="2000" dirty="0">
+                <a:solidFill>
+                  <a:srgbClr val="0070C0"/>
+                </a:solidFill>
+              </a:rPr>
+              <a:t>--</a:t>
+            </a:r>
+            <a:r>
+              <a:rPr lang="en-US" altLang="zh-TW" sz="2000" dirty="0" err="1">
+                <a:solidFill>
+                  <a:srgbClr val="0070C0"/>
+                </a:solidFill>
+              </a:rPr>
               <a:t>d_learning_rate</a:t>
             </a:r>
             <a:r>
-              <a:rPr lang="en-US" altLang="zh-TW" sz="2000" dirty="0"/>
+              <a:rPr lang="en-US" altLang="zh-TW" sz="2000" dirty="0">
+                <a:solidFill>
+                  <a:srgbClr val="0070C0"/>
+                </a:solidFill>
+              </a:rPr>
               <a:t> 3e-5</a:t>
             </a:r>
           </a:p>
@@ -4297,7 +4476,19 @@
             </a:r>
             <a:r>
               <a:rPr lang="en-US" altLang="zh-TW" sz="2000" dirty="0"/>
-              <a:t> Len: 10, ADE: 0.04, FDE: 0.07, Time: 44.58468 (s), Counts: 9820, Avg time: 0.00454</a:t>
+              <a:t> Len: 10, </a:t>
+            </a:r>
+            <a:r>
+              <a:rPr lang="en-US" altLang="zh-TW" sz="2000" dirty="0">
+                <a:solidFill>
+                  <a:srgbClr val="0070C0"/>
+                </a:solidFill>
+              </a:rPr>
+              <a:t>ADE: 0.04, FDE: 0.07</a:t>
+            </a:r>
+            <a:r>
+              <a:rPr lang="en-US" altLang="zh-TW" sz="2000" dirty="0"/>
+              <a:t>, Time: 44.58468 (s), Counts: 9820, Avg time: 0.00454</a:t>
             </a:r>
           </a:p>
           <a:p>
@@ -4327,22 +4518,46 @@
             </a:r>
             <a:r>
               <a:rPr lang="en-US" altLang="zh-TW" sz="2000" dirty="0"/>
-              <a:t> 50 --</a:t>
-            </a:r>
-            <a:r>
-              <a:rPr lang="en-US" altLang="zh-TW" sz="2000" dirty="0" err="1"/>
+              <a:t> 50 </a:t>
+            </a:r>
+            <a:r>
+              <a:rPr lang="en-US" altLang="zh-TW" sz="2000" dirty="0">
+                <a:solidFill>
+                  <a:srgbClr val="0070C0"/>
+                </a:solidFill>
+              </a:rPr>
+              <a:t>--</a:t>
+            </a:r>
+            <a:r>
+              <a:rPr lang="en-US" altLang="zh-TW" sz="2000" dirty="0" err="1">
+                <a:solidFill>
+                  <a:srgbClr val="0070C0"/>
+                </a:solidFill>
+              </a:rPr>
               <a:t>d_learning_rate</a:t>
             </a:r>
             <a:r>
-              <a:rPr lang="en-US" altLang="zh-TW" sz="2000" dirty="0"/>
+              <a:rPr lang="en-US" altLang="zh-TW" sz="2000" dirty="0">
+                <a:solidFill>
+                  <a:srgbClr val="0070C0"/>
+                </a:solidFill>
+              </a:rPr>
               <a:t> 3e-5 --</a:t>
             </a:r>
             <a:r>
-              <a:rPr lang="en-US" altLang="zh-TW" sz="2000" dirty="0" err="1"/>
+              <a:rPr lang="en-US" altLang="zh-TW" sz="2000" dirty="0" err="1">
+                <a:solidFill>
+                  <a:srgbClr val="0070C0"/>
+                </a:solidFill>
+              </a:rPr>
               <a:t>g_learning_rate</a:t>
             </a:r>
             <a:r>
-              <a:rPr lang="en-US" altLang="zh-TW" sz="2000" dirty="0"/>
+              <a:rPr lang="en-US" altLang="zh-TW" sz="2000" dirty="0">
+                <a:solidFill>
+                  <a:srgbClr val="0070C0"/>
+                </a:solidFill>
+              </a:rPr>
               <a:t> 3e-5</a:t>
             </a:r>
           </a:p>
@@ -4356,7 +4571,19 @@
             </a:r>
             <a:r>
               <a:rPr lang="en-US" altLang="zh-TW" sz="2000" dirty="0"/>
-              <a:t> Len: 10, ADE: 0.04, FDE: 0.06, Time: 44.92492 (s), Counts: 9820, Avg time: 0.00457</a:t>
+              <a:t> Len: 10, </a:t>
+            </a:r>
+            <a:r>
+              <a:rPr lang="en-US" altLang="zh-TW" sz="2000" dirty="0">
+                <a:solidFill>
+                  <a:srgbClr val="0070C0"/>
+                </a:solidFill>
+              </a:rPr>
+              <a:t>ADE: 0.04, FDE: 0.06</a:t>
+            </a:r>
+            <a:r>
+              <a:rPr lang="en-US" altLang="zh-TW" sz="2000" dirty="0"/>
+              <a:t>, Time: 44.92492 (s), Counts: 9820, Avg time: 0.00457</a:t>
             </a:r>
           </a:p>
           <a:p>
@@ -4628,12 +4855,8 @@
               <a:t>default</a:t>
             </a:r>
             <a:r>
-              <a:rPr lang="zh-TW" altLang="en-US" sz="2000"/>
-              <a:t>值，誤差</a:t>
-            </a:r>
-            <a:r>
               <a:rPr lang="zh-TW" altLang="en-US" sz="2000" dirty="0"/>
-              <a:t>越小；參數越大，誤差越高；參數過小，誤差也會提高。</a:t>
+              <a:t>值，誤差越小；參數越大，誤差越高；參數過小，誤差也會提高。</a:t>
             </a:r>
             <a:endParaRPr lang="en-US" altLang="zh-TW" sz="2000" dirty="0"/>
           </a:p>

--- a/期末專案_第三組_小組報告/期末專案_第三組_小組報告.pptx
+++ b/期末專案_第三組_小組報告/期末專案_第三組_小組報告.pptx
@@ -344,7 +344,7 @@
           <a:p>
             <a:fld id="{C20804F4-88D0-48BF-85B5-35BA29F70154}" type="datetimeFigureOut">
               <a:rPr lang="zh-TW" altLang="en-US" smtClean="0"/>
-              <a:t>2021/6/22</a:t>
+              <a:t>2021/6/23</a:t>
             </a:fld>
             <a:endParaRPr lang="zh-TW" altLang="en-US"/>
           </a:p>
@@ -730,7 +730,7 @@
           <a:p>
             <a:fld id="{C20804F4-88D0-48BF-85B5-35BA29F70154}" type="datetimeFigureOut">
               <a:rPr lang="zh-TW" altLang="en-US" smtClean="0"/>
-              <a:t>2021/6/22</a:t>
+              <a:t>2021/6/23</a:t>
             </a:fld>
             <a:endParaRPr lang="zh-TW" altLang="en-US"/>
           </a:p>
@@ -908,7 +908,7 @@
           <a:p>
             <a:fld id="{C20804F4-88D0-48BF-85B5-35BA29F70154}" type="datetimeFigureOut">
               <a:rPr lang="zh-TW" altLang="en-US" smtClean="0"/>
-              <a:t>2021/6/22</a:t>
+              <a:t>2021/6/23</a:t>
             </a:fld>
             <a:endParaRPr lang="zh-TW" altLang="en-US"/>
           </a:p>
@@ -1121,7 +1121,7 @@
           <a:p>
             <a:fld id="{C20804F4-88D0-48BF-85B5-35BA29F70154}" type="datetimeFigureOut">
               <a:rPr lang="zh-TW" altLang="en-US" smtClean="0"/>
-              <a:t>2021/6/22</a:t>
+              <a:t>2021/6/23</a:t>
             </a:fld>
             <a:endParaRPr lang="zh-TW" altLang="en-US"/>
           </a:p>
@@ -1449,7 +1449,7 @@
           <a:p>
             <a:fld id="{C20804F4-88D0-48BF-85B5-35BA29F70154}" type="datetimeFigureOut">
               <a:rPr lang="zh-TW" altLang="en-US" smtClean="0"/>
-              <a:t>2021/6/22</a:t>
+              <a:t>2021/6/23</a:t>
             </a:fld>
             <a:endParaRPr lang="zh-TW" altLang="en-US"/>
           </a:p>
@@ -1754,7 +1754,7 @@
           <a:p>
             <a:fld id="{C20804F4-88D0-48BF-85B5-35BA29F70154}" type="datetimeFigureOut">
               <a:rPr lang="zh-TW" altLang="en-US" smtClean="0"/>
-              <a:t>2021/6/22</a:t>
+              <a:t>2021/6/23</a:t>
             </a:fld>
             <a:endParaRPr lang="zh-TW" altLang="en-US"/>
           </a:p>
@@ -2201,7 +2201,7 @@
           <a:p>
             <a:fld id="{C20804F4-88D0-48BF-85B5-35BA29F70154}" type="datetimeFigureOut">
               <a:rPr lang="zh-TW" altLang="en-US" smtClean="0"/>
-              <a:t>2021/6/22</a:t>
+              <a:t>2021/6/23</a:t>
             </a:fld>
             <a:endParaRPr lang="zh-TW" altLang="en-US"/>
           </a:p>
@@ -2318,7 +2318,7 @@
           <a:p>
             <a:fld id="{C20804F4-88D0-48BF-85B5-35BA29F70154}" type="datetimeFigureOut">
               <a:rPr lang="zh-TW" altLang="en-US" smtClean="0"/>
-              <a:t>2021/6/22</a:t>
+              <a:t>2021/6/23</a:t>
             </a:fld>
             <a:endParaRPr lang="zh-TW" altLang="en-US"/>
           </a:p>
@@ -2413,7 +2413,7 @@
           <a:p>
             <a:fld id="{C20804F4-88D0-48BF-85B5-35BA29F70154}" type="datetimeFigureOut">
               <a:rPr lang="zh-TW" altLang="en-US" smtClean="0"/>
-              <a:t>2021/6/22</a:t>
+              <a:t>2021/6/23</a:t>
             </a:fld>
             <a:endParaRPr lang="zh-TW" altLang="en-US"/>
           </a:p>
@@ -2688,7 +2688,7 @@
           <a:p>
             <a:fld id="{C20804F4-88D0-48BF-85B5-35BA29F70154}" type="datetimeFigureOut">
               <a:rPr lang="zh-TW" altLang="en-US" smtClean="0"/>
-              <a:t>2021/6/22</a:t>
+              <a:t>2021/6/23</a:t>
             </a:fld>
             <a:endParaRPr lang="zh-TW" altLang="en-US"/>
           </a:p>
@@ -2943,7 +2943,7 @@
           <a:p>
             <a:fld id="{C20804F4-88D0-48BF-85B5-35BA29F70154}" type="datetimeFigureOut">
               <a:rPr lang="zh-TW" altLang="en-US" smtClean="0"/>
-              <a:t>2021/6/22</a:t>
+              <a:t>2021/6/23</a:t>
             </a:fld>
             <a:endParaRPr lang="zh-TW" altLang="en-US"/>
           </a:p>
@@ -3156,7 +3156,7 @@
           <a:p>
             <a:fld id="{C20804F4-88D0-48BF-85B5-35BA29F70154}" type="datetimeFigureOut">
               <a:rPr lang="zh-TW" altLang="en-US" smtClean="0"/>
-              <a:t>2021/6/22</a:t>
+              <a:t>2021/6/23</a:t>
             </a:fld>
             <a:endParaRPr lang="zh-TW" altLang="en-US"/>
           </a:p>
@@ -3683,13 +3683,6 @@
   <p:clrMapOvr>
     <a:masterClrMapping/>
   </p:clrMapOvr>
-  <p:timing>
-    <p:tnLst>
-      <p:par>
-        <p:cTn id="1" dur="indefinite" restart="never" nodeType="tmRoot"/>
-      </p:par>
-    </p:tnLst>
-  </p:timing>
 </p:sld>
 </file>
 
@@ -3908,18 +3901,14 @@
             </a:pPr>
             <a:r>
               <a:rPr lang="en-US" altLang="zh-TW" sz="2000" dirty="0"/>
-              <a:t>	</a:t>
-            </a:r>
-            <a:r>
-              <a:rPr lang="en-US" altLang="zh-TW" sz="2000" dirty="0"/>
-              <a:t> </a:t>
-            </a:r>
-            <a:r>
-              <a:rPr lang="zh-TW" altLang="en-US" sz="2000" dirty="0" smtClean="0"/>
+              <a:t>	 </a:t>
+            </a:r>
+            <a:r>
+              <a:rPr lang="zh-TW" altLang="en-US" sz="2000" dirty="0"/>
               <a:t>更改</a:t>
             </a:r>
             <a:r>
-              <a:rPr lang="en-US" altLang="zh-TW" sz="2000" dirty="0" err="1" smtClean="0"/>
+              <a:rPr lang="en-US" altLang="zh-TW" sz="2000" dirty="0" err="1"/>
               <a:t>d_learning_rate</a:t>
             </a:r>
             <a:r>
@@ -3927,11 +3916,11 @@
               <a:t>與</a:t>
             </a:r>
             <a:r>
-              <a:rPr lang="en-US" altLang="zh-TW" sz="2000" dirty="0" err="1" smtClean="0"/>
+              <a:rPr lang="en-US" altLang="zh-TW" sz="2000" dirty="0" err="1"/>
               <a:t>g_learning_rate</a:t>
             </a:r>
             <a:r>
-              <a:rPr lang="zh-TW" altLang="en-US" sz="2000" dirty="0" smtClean="0"/>
+              <a:rPr lang="zh-TW" altLang="en-US" sz="2000" dirty="0"/>
               <a:t>參數嘗試誤差值變化</a:t>
             </a:r>
             <a:endParaRPr lang="en-US" altLang="zh-TW" sz="2000" dirty="0"/>
@@ -3948,13 +3937,6 @@
   <p:clrMapOvr>
     <a:masterClrMapping/>
   </p:clrMapOvr>
-  <p:timing>
-    <p:tnLst>
-      <p:par>
-        <p:cTn id="1" dur="indefinite" restart="never" nodeType="tmRoot"/>
-      </p:par>
-    </p:tnLst>
-  </p:timing>
 </p:sld>
 </file>
 
@@ -5076,108 +5058,8 @@
           </a:p>
           <a:p>
             <a:r>
-              <a:rPr lang="zh-TW" altLang="en-US" sz="2000" dirty="0">
-                <a:solidFill>
-                  <a:srgbClr val="FF0000"/>
-                </a:solidFill>
-              </a:rPr>
-              <a:t>影片連結</a:t>
-            </a:r>
-            <a:r>
-              <a:rPr lang="en-US" altLang="zh-TW" sz="2000" dirty="0">
-                <a:solidFill>
-                  <a:srgbClr val="FF0000"/>
-                </a:solidFill>
-              </a:rPr>
-              <a:t>(</a:t>
-            </a:r>
-            <a:r>
-              <a:rPr lang="zh-TW" altLang="en-US" sz="2000" dirty="0">
-                <a:solidFill>
-                  <a:srgbClr val="FF0000"/>
-                </a:solidFill>
-              </a:rPr>
-              <a:t>上傳到</a:t>
-            </a:r>
-            <a:r>
-              <a:rPr lang="en-US" altLang="zh-TW" sz="2000" dirty="0">
-                <a:solidFill>
-                  <a:srgbClr val="FF0000"/>
-                </a:solidFill>
-              </a:rPr>
-              <a:t>YouTube)</a:t>
-            </a:r>
-            <a:r>
-              <a:rPr lang="zh-TW" altLang="en-US" sz="2000" dirty="0">
-                <a:solidFill>
-                  <a:srgbClr val="FF0000"/>
-                </a:solidFill>
-              </a:rPr>
-              <a:t>，影片中需展示</a:t>
-            </a:r>
-            <a:r>
-              <a:rPr lang="en-US" altLang="zh-TW" sz="2000" dirty="0" err="1">
-                <a:solidFill>
-                  <a:srgbClr val="FF0000"/>
-                </a:solidFill>
-              </a:rPr>
-              <a:t>ppt</a:t>
-            </a:r>
-            <a:r>
-              <a:rPr lang="zh-TW" altLang="en-US" sz="2000" dirty="0">
-                <a:solidFill>
-                  <a:srgbClr val="FF0000"/>
-                </a:solidFill>
-              </a:rPr>
-              <a:t>並進行說明，時長</a:t>
-            </a:r>
-            <a:r>
-              <a:rPr lang="en-US" altLang="zh-TW" sz="2000" dirty="0">
-                <a:solidFill>
-                  <a:srgbClr val="FF0000"/>
-                </a:solidFill>
-              </a:rPr>
-              <a:t>4~5</a:t>
-            </a:r>
-            <a:r>
-              <a:rPr lang="zh-TW" altLang="en-US" sz="2000" dirty="0">
-                <a:solidFill>
-                  <a:srgbClr val="FF0000"/>
-                </a:solidFill>
-              </a:rPr>
-              <a:t>分鐘</a:t>
-            </a:r>
-            <a:r>
-              <a:rPr lang="en-US" altLang="zh-TW" sz="2000" dirty="0">
-                <a:solidFill>
-                  <a:srgbClr val="FF0000"/>
-                </a:solidFill>
-              </a:rPr>
-              <a:t>(</a:t>
-            </a:r>
-            <a:r>
-              <a:rPr lang="zh-TW" altLang="en-US" sz="2000" dirty="0">
-                <a:solidFill>
-                  <a:srgbClr val="FF0000"/>
-                </a:solidFill>
-              </a:rPr>
-              <a:t>錄製內容需包含電腦畫面</a:t>
-            </a:r>
-            <a:r>
-              <a:rPr lang="en-US" altLang="zh-TW" sz="2000" dirty="0">
-                <a:solidFill>
-                  <a:srgbClr val="FF0000"/>
-                </a:solidFill>
-              </a:rPr>
-              <a:t>+</a:t>
-            </a:r>
-            <a:r>
-              <a:rPr lang="zh-TW" altLang="en-US" sz="2000" dirty="0">
-                <a:solidFill>
-                  <a:srgbClr val="FF0000"/>
-                </a:solidFill>
-              </a:rPr>
-              <a:t>聲音，可使用</a:t>
+              <a:rPr lang="zh-TW" altLang="en-US" sz="2000" dirty="0"/>
+              <a:t>影片連結 </a:t>
             </a:r>
             <a:r>
               <a:rPr lang="en-US" altLang="zh-TW" sz="2000" dirty="0">
@@ -5186,16 +5068,7 @@
                 </a:solidFill>
                 <a:hlinkClick r:id="rId7"/>
               </a:rPr>
-              <a:t>Windows</a:t>
-            </a:r>
-            <a:r>
-              <a:rPr lang="zh-TW" altLang="en-US" sz="2000" dirty="0">
-                <a:solidFill>
-                  <a:srgbClr val="FF0000"/>
-                </a:solidFill>
-                <a:hlinkClick r:id="rId7"/>
-              </a:rPr>
-              <a:t>內鍵錄影軟體</a:t>
+              <a:t>https://youtu.be/7rQT_a7G-vQ</a:t>
             </a:r>
             <a:r>
               <a:rPr lang="zh-TW" altLang="en-US" sz="2000" dirty="0">
@@ -5203,47 +5076,8 @@
                   <a:srgbClr val="FF0000"/>
                 </a:solidFill>
               </a:rPr>
-              <a:t>或</a:t>
-            </a:r>
-            <a:r>
-              <a:rPr lang="en-US" altLang="zh-TW" sz="2000" dirty="0">
-                <a:solidFill>
-                  <a:srgbClr val="FF0000"/>
-                </a:solidFill>
-                <a:hlinkClick r:id="rId8"/>
-              </a:rPr>
-              <a:t>Mac</a:t>
-            </a:r>
-            <a:r>
-              <a:rPr lang="zh-TW" altLang="en-US" sz="2000" dirty="0">
-                <a:solidFill>
-                  <a:srgbClr val="FF0000"/>
-                </a:solidFill>
-                <a:hlinkClick r:id="rId8"/>
-              </a:rPr>
-              <a:t>內鍵錄影軟體</a:t>
-            </a:r>
-            <a:r>
-              <a:rPr lang="zh-TW" altLang="en-US" sz="2000" dirty="0">
-                <a:solidFill>
-                  <a:srgbClr val="FF0000"/>
-                </a:solidFill>
-              </a:rPr>
-              <a:t>協助錄製期末報告影片</a:t>
-            </a:r>
-            <a:r>
-              <a:rPr lang="en-US" altLang="zh-TW" sz="2000" dirty="0">
-                <a:solidFill>
-                  <a:srgbClr val="FF0000"/>
-                </a:solidFill>
-              </a:rPr>
-              <a:t>))</a:t>
-            </a:r>
-            <a:endParaRPr lang="zh-TW" altLang="en-US" sz="2000" dirty="0">
-              <a:solidFill>
-                <a:srgbClr val="FF0000"/>
-              </a:solidFill>
-            </a:endParaRPr>
+              <a:t> </a:t>
+            </a:r>
           </a:p>
           <a:p>
             <a:pPr marL="0" indent="0">
